--- a/students/eric_v/debris/Using_git.pptx
+++ b/students/eric_v/debris/Using_git.pptx
@@ -18,6 +18,7 @@
     <p:sldId id="270" r:id="rId12"/>
     <p:sldId id="272" r:id="rId13"/>
     <p:sldId id="273" r:id="rId14"/>
+    <p:sldId id="274" r:id="rId15"/>
   </p:sldIdLst>
   <p:sldSz cx="9144000" cy="6858000" type="screen4x3"/>
   <p:notesSz cx="6934200" cy="9220200"/>
@@ -301,7 +302,7 @@
             <a:fld id="{3159C66E-6022-41FD-AC9F-85F12CCF35E0}" type="datetimeFigureOut">
               <a:rPr lang="en-US" smtClean="0"/>
               <a:pPr/>
-              <a:t>11/11/2015</a:t>
+              <a:t>11/29/2015</a:t>
             </a:fld>
             <a:endParaRPr lang="en-US"/>
           </a:p>
@@ -468,7 +469,7 @@
             <a:fld id="{3159C66E-6022-41FD-AC9F-85F12CCF35E0}" type="datetimeFigureOut">
               <a:rPr lang="en-US" smtClean="0"/>
               <a:pPr/>
-              <a:t>11/11/2015</a:t>
+              <a:t>11/29/2015</a:t>
             </a:fld>
             <a:endParaRPr lang="en-US"/>
           </a:p>
@@ -645,7 +646,7 @@
             <a:fld id="{3159C66E-6022-41FD-AC9F-85F12CCF35E0}" type="datetimeFigureOut">
               <a:rPr lang="en-US" smtClean="0"/>
               <a:pPr/>
-              <a:t>11/11/2015</a:t>
+              <a:t>11/29/2015</a:t>
             </a:fld>
             <a:endParaRPr lang="en-US"/>
           </a:p>
@@ -812,7 +813,7 @@
             <a:fld id="{3159C66E-6022-41FD-AC9F-85F12CCF35E0}" type="datetimeFigureOut">
               <a:rPr lang="en-US" smtClean="0"/>
               <a:pPr/>
-              <a:t>11/11/2015</a:t>
+              <a:t>11/29/2015</a:t>
             </a:fld>
             <a:endParaRPr lang="en-US"/>
           </a:p>
@@ -1055,7 +1056,7 @@
             <a:fld id="{3159C66E-6022-41FD-AC9F-85F12CCF35E0}" type="datetimeFigureOut">
               <a:rPr lang="en-US" smtClean="0"/>
               <a:pPr/>
-              <a:t>11/11/2015</a:t>
+              <a:t>11/29/2015</a:t>
             </a:fld>
             <a:endParaRPr lang="en-US"/>
           </a:p>
@@ -1340,7 +1341,7 @@
             <a:fld id="{3159C66E-6022-41FD-AC9F-85F12CCF35E0}" type="datetimeFigureOut">
               <a:rPr lang="en-US" smtClean="0"/>
               <a:pPr/>
-              <a:t>11/11/2015</a:t>
+              <a:t>11/29/2015</a:t>
             </a:fld>
             <a:endParaRPr lang="en-US"/>
           </a:p>
@@ -1759,7 +1760,7 @@
             <a:fld id="{3159C66E-6022-41FD-AC9F-85F12CCF35E0}" type="datetimeFigureOut">
               <a:rPr lang="en-US" smtClean="0"/>
               <a:pPr/>
-              <a:t>11/11/2015</a:t>
+              <a:t>11/29/2015</a:t>
             </a:fld>
             <a:endParaRPr lang="en-US"/>
           </a:p>
@@ -1874,7 +1875,7 @@
             <a:fld id="{3159C66E-6022-41FD-AC9F-85F12CCF35E0}" type="datetimeFigureOut">
               <a:rPr lang="en-US" smtClean="0"/>
               <a:pPr/>
-              <a:t>11/11/2015</a:t>
+              <a:t>11/29/2015</a:t>
             </a:fld>
             <a:endParaRPr lang="en-US"/>
           </a:p>
@@ -1966,7 +1967,7 @@
             <a:fld id="{3159C66E-6022-41FD-AC9F-85F12CCF35E0}" type="datetimeFigureOut">
               <a:rPr lang="en-US" smtClean="0"/>
               <a:pPr/>
-              <a:t>11/11/2015</a:t>
+              <a:t>11/29/2015</a:t>
             </a:fld>
             <a:endParaRPr lang="en-US"/>
           </a:p>
@@ -2240,7 +2241,7 @@
             <a:fld id="{3159C66E-6022-41FD-AC9F-85F12CCF35E0}" type="datetimeFigureOut">
               <a:rPr lang="en-US" smtClean="0"/>
               <a:pPr/>
-              <a:t>11/11/2015</a:t>
+              <a:t>11/29/2015</a:t>
             </a:fld>
             <a:endParaRPr lang="en-US"/>
           </a:p>
@@ -2490,7 +2491,7 @@
             <a:fld id="{3159C66E-6022-41FD-AC9F-85F12CCF35E0}" type="datetimeFigureOut">
               <a:rPr lang="en-US" smtClean="0"/>
               <a:pPr/>
-              <a:t>11/11/2015</a:t>
+              <a:t>11/29/2015</a:t>
             </a:fld>
             <a:endParaRPr lang="en-US"/>
           </a:p>
@@ -2700,7 +2701,7 @@
             <a:fld id="{3159C66E-6022-41FD-AC9F-85F12CCF35E0}" type="datetimeFigureOut">
               <a:rPr lang="en-US" smtClean="0"/>
               <a:pPr/>
-              <a:t>11/11/2015</a:t>
+              <a:t>11/29/2015</a:t>
             </a:fld>
             <a:endParaRPr lang="en-US"/>
           </a:p>
@@ -3921,11 +3922,7 @@
             <a:pPr marL="342900" indent="-342900"/>
             <a:r>
               <a:rPr lang="en-US" dirty="0" smtClean="0"/>
-              <a:t>2) Follow </a:t>
-            </a:r>
-            <a:r>
-              <a:rPr lang="en-US" dirty="0" smtClean="0"/>
-              <a:t>instructions</a:t>
+              <a:t>2) Follow instructions</a:t>
             </a:r>
           </a:p>
           <a:p>
@@ -3934,7 +3931,6 @@
               <a:rPr lang="en-US" dirty="0" smtClean="0"/>
               <a:t>3) Triggers e-mail to Upstream owner</a:t>
             </a:r>
-            <a:endParaRPr lang="en-US" dirty="0" smtClean="0"/>
           </a:p>
           <a:p>
             <a:pPr marL="342900" indent="-342900"/>
@@ -4419,7 +4415,6 @@
               <a:rPr lang="en-US" sz="2400" dirty="0" smtClean="0"/>
               <a:t>Merge</a:t>
             </a:r>
-            <a:endParaRPr lang="en-US" sz="2400" dirty="0" smtClean="0"/>
           </a:p>
         </p:txBody>
       </p:sp>
@@ -4638,14 +4633,12 @@
               <a:rPr lang="en-US" dirty="0" smtClean="0"/>
               <a:t> pull upstream master</a:t>
             </a:r>
-            <a:endParaRPr lang="en-US" dirty="0" smtClean="0"/>
           </a:p>
           <a:p>
             <a:r>
               <a:rPr lang="en-US" dirty="0" smtClean="0"/>
               <a:t>Changes that have occurred in Upstream must now be merged with existing files</a:t>
             </a:r>
-            <a:endParaRPr lang="en-US" dirty="0" smtClean="0"/>
           </a:p>
         </p:txBody>
       </p:sp>
@@ -4956,7 +4949,6 @@
               <a:rPr lang="en-US" sz="2400" dirty="0" smtClean="0"/>
               <a:t>Merge strategies</a:t>
             </a:r>
-            <a:endParaRPr lang="en-US" sz="2400" dirty="0" smtClean="0"/>
           </a:p>
         </p:txBody>
       </p:sp>
@@ -5300,7 +5292,6 @@
               <a:rPr lang="en-US" sz="2400" dirty="0" smtClean="0"/>
               <a:t>Merge strategy</a:t>
             </a:r>
-            <a:endParaRPr lang="en-US" sz="2400" dirty="0" smtClean="0"/>
           </a:p>
         </p:txBody>
       </p:sp>
@@ -5419,14 +5410,7 @@
                 <a:latin typeface="Arial Unicode MS" pitchFamily="34" charset="-128"/>
                 <a:cs typeface="Arial" pitchFamily="34" charset="0"/>
               </a:rPr>
-              <a:t> </a:t>
-            </a:r>
-            <a:r>
-              <a:rPr lang="en-US" sz="1000" dirty="0" smtClean="0">
-                <a:latin typeface="Arial Unicode MS" pitchFamily="34" charset="-128"/>
-                <a:cs typeface="Arial" pitchFamily="34" charset="0"/>
-              </a:rPr>
-              <a:t>   </a:t>
+              <a:t>    </a:t>
             </a:r>
             <a:r>
               <a:rPr kumimoji="0" lang="en-US" sz="1000" b="0" i="0" u="none" strike="noStrike" cap="none" normalizeH="0" baseline="0" dirty="0" smtClean="0">
@@ -5465,14 +5449,7 @@
                 <a:latin typeface="Arial Unicode MS" pitchFamily="34" charset="-128"/>
                 <a:cs typeface="Arial" pitchFamily="34" charset="0"/>
               </a:rPr>
-              <a:t> </a:t>
-            </a:r>
-            <a:r>
-              <a:rPr lang="en-US" sz="1000" dirty="0" smtClean="0">
-                <a:latin typeface="Arial Unicode MS" pitchFamily="34" charset="-128"/>
-                <a:cs typeface="Arial" pitchFamily="34" charset="0"/>
-              </a:rPr>
-              <a:t>   </a:t>
+              <a:t>    </a:t>
             </a:r>
             <a:r>
               <a:rPr kumimoji="0" lang="en-US" sz="1000" b="0" i="0" u="none" strike="noStrike" cap="none" normalizeH="0" baseline="0" dirty="0" err="1" smtClean="0">
@@ -5525,14 +5502,7 @@
                 <a:latin typeface="Arial Unicode MS" pitchFamily="34" charset="-128"/>
                 <a:cs typeface="Arial" pitchFamily="34" charset="0"/>
               </a:rPr>
-              <a:t> </a:t>
-            </a:r>
-            <a:r>
-              <a:rPr lang="en-US" sz="1000" dirty="0" smtClean="0">
-                <a:latin typeface="Arial Unicode MS" pitchFamily="34" charset="-128"/>
-                <a:cs typeface="Arial" pitchFamily="34" charset="0"/>
-              </a:rPr>
-              <a:t>   </a:t>
+              <a:t>    </a:t>
             </a:r>
             <a:r>
               <a:rPr kumimoji="0" lang="en-US" sz="1000" b="0" i="0" u="none" strike="noStrike" cap="none" normalizeH="0" baseline="0" dirty="0" err="1" smtClean="0">
@@ -5639,14 +5609,7 @@
                 <a:latin typeface="Arial Unicode MS" pitchFamily="34" charset="-128"/>
                 <a:cs typeface="Arial" pitchFamily="34" charset="0"/>
               </a:rPr>
-              <a:t> </a:t>
-            </a:r>
-            <a:r>
-              <a:rPr lang="en-US" sz="1000" dirty="0" smtClean="0">
-                <a:latin typeface="Arial Unicode MS" pitchFamily="34" charset="-128"/>
-                <a:cs typeface="Arial" pitchFamily="34" charset="0"/>
-              </a:rPr>
-              <a:t>   </a:t>
+              <a:t>    </a:t>
             </a:r>
             <a:r>
               <a:rPr kumimoji="0" lang="en-US" sz="1000" b="0" i="0" u="none" strike="noStrike" cap="none" normalizeH="0" baseline="0" dirty="0" smtClean="0">
@@ -5823,14 +5786,7 @@
                 <a:latin typeface="Arial Unicode MS" pitchFamily="34" charset="-128"/>
                 <a:cs typeface="Arial" pitchFamily="34" charset="0"/>
               </a:rPr>
-              <a:t> </a:t>
-            </a:r>
-            <a:r>
-              <a:rPr lang="en-US" sz="1000" dirty="0" smtClean="0">
-                <a:latin typeface="Arial Unicode MS" pitchFamily="34" charset="-128"/>
-                <a:cs typeface="Arial" pitchFamily="34" charset="0"/>
-              </a:rPr>
-              <a:t>   </a:t>
+              <a:t>    </a:t>
             </a:r>
             <a:r>
               <a:rPr kumimoji="0" lang="en-US" sz="1000" b="0" i="0" u="none" strike="noStrike" cap="none" normalizeH="0" baseline="0" dirty="0" smtClean="0">
@@ -5947,14 +5903,7 @@
                 <a:latin typeface="Arial Unicode MS" pitchFamily="34" charset="-128"/>
                 <a:cs typeface="Arial" pitchFamily="34" charset="0"/>
               </a:rPr>
-              <a:t> </a:t>
-            </a:r>
-            <a:r>
-              <a:rPr lang="en-US" sz="1000" dirty="0" smtClean="0">
-                <a:latin typeface="Arial Unicode MS" pitchFamily="34" charset="-128"/>
-                <a:cs typeface="Arial" pitchFamily="34" charset="0"/>
-              </a:rPr>
-              <a:t>   </a:t>
+              <a:t>    </a:t>
             </a:r>
             <a:r>
               <a:rPr kumimoji="0" lang="en-US" sz="1000" b="0" i="0" u="none" strike="noStrike" cap="none" normalizeH="0" baseline="0" dirty="0" err="1" smtClean="0">
@@ -6124,14 +6073,7 @@
                 <a:latin typeface="Arial Unicode MS" pitchFamily="34" charset="-128"/>
                 <a:cs typeface="Arial" pitchFamily="34" charset="0"/>
               </a:rPr>
-              <a:t> </a:t>
-            </a:r>
-            <a:r>
-              <a:rPr lang="en-US" sz="1000" dirty="0" smtClean="0">
-                <a:latin typeface="Arial Unicode MS" pitchFamily="34" charset="-128"/>
-                <a:cs typeface="Arial" pitchFamily="34" charset="0"/>
-              </a:rPr>
-              <a:t>   </a:t>
+              <a:t>    </a:t>
             </a:r>
             <a:r>
               <a:rPr kumimoji="0" lang="en-US" sz="1000" b="0" i="0" u="none" strike="noStrike" cap="none" normalizeH="0" baseline="0" dirty="0" smtClean="0">
@@ -6305,14 +6247,7 @@
                 <a:latin typeface="Arial Unicode MS" pitchFamily="34" charset="-128"/>
                 <a:cs typeface="Arial" pitchFamily="34" charset="0"/>
               </a:rPr>
-              <a:t> </a:t>
-            </a:r>
-            <a:r>
-              <a:rPr lang="en-US" sz="1000" dirty="0" smtClean="0">
-                <a:latin typeface="Arial Unicode MS" pitchFamily="34" charset="-128"/>
-                <a:cs typeface="Arial" pitchFamily="34" charset="0"/>
-              </a:rPr>
-              <a:t>   </a:t>
+              <a:t>    </a:t>
             </a:r>
             <a:r>
               <a:rPr kumimoji="0" lang="en-US" sz="1000" b="0" i="0" u="none" strike="noStrike" cap="none" normalizeH="0" baseline="0" dirty="0" smtClean="0">
@@ -6429,14 +6364,7 @@
                 <a:latin typeface="Arial Unicode MS" pitchFamily="34" charset="-128"/>
                 <a:cs typeface="Arial" pitchFamily="34" charset="0"/>
               </a:rPr>
-              <a:t> </a:t>
-            </a:r>
-            <a:r>
-              <a:rPr lang="en-US" sz="1000" dirty="0" smtClean="0">
-                <a:latin typeface="Arial Unicode MS" pitchFamily="34" charset="-128"/>
-                <a:cs typeface="Arial" pitchFamily="34" charset="0"/>
-              </a:rPr>
-              <a:t>   </a:t>
+              <a:t>    </a:t>
             </a:r>
             <a:r>
               <a:rPr kumimoji="0" lang="en-US" sz="1000" b="0" i="0" u="none" strike="noStrike" cap="none" normalizeH="0" baseline="0" dirty="0" err="1" smtClean="0">
@@ -6545,22 +6473,14 @@
           <a:p>
             <a:r>
               <a:rPr lang="en-US" sz="1400" dirty="0" err="1" smtClean="0"/>
-              <a:t>s</a:t>
-            </a:r>
-            <a:r>
-              <a:rPr lang="en-US" sz="1400" dirty="0" err="1" smtClean="0"/>
-              <a:t>hawndamus</a:t>
+              <a:t>shawndamus</a:t>
             </a:r>
             <a:endParaRPr lang="en-US" sz="1400" dirty="0" smtClean="0"/>
           </a:p>
           <a:p>
             <a:r>
               <a:rPr lang="en-US" sz="1400" dirty="0" smtClean="0"/>
-              <a:t>https</a:t>
-            </a:r>
-            <a:r>
-              <a:rPr lang="en-US" sz="1400" dirty="0" smtClean="0"/>
-              <a:t>://gist.github.com/6158524.git</a:t>
+              <a:t>https://gist.github.com/6158524.git</a:t>
             </a:r>
             <a:endParaRPr lang="en-US" sz="1400" dirty="0"/>
           </a:p>
@@ -6606,6 +6526,201 @@
             <a:r>
               <a:rPr lang="en-US" sz="1400" dirty="0" smtClean="0"/>
               <a:t> capability</a:t>
+            </a:r>
+            <a:endParaRPr lang="en-US" sz="1400" dirty="0"/>
+          </a:p>
+        </p:txBody>
+      </p:sp>
+    </p:spTree>
+  </p:cSld>
+  <p:clrMapOvr>
+    <a:masterClrMapping/>
+  </p:clrMapOvr>
+  <p:timing>
+    <p:tnLst>
+      <p:par>
+        <p:cTn id="1" dur="indefinite" restart="never" nodeType="tmRoot"/>
+      </p:par>
+    </p:tnLst>
+  </p:timing>
+</p:sld>
+</file>
+
+<file path=ppt/slides/slide14.xml><?xml version="1.0" encoding="utf-8"?>
+<p:sld xmlns:a="http://schemas.openxmlformats.org/drawingml/2006/main" xmlns:r="http://schemas.openxmlformats.org/officeDocument/2006/relationships" xmlns:p="http://schemas.openxmlformats.org/presentationml/2006/main">
+  <p:cSld>
+    <p:spTree>
+      <p:nvGrpSpPr>
+        <p:cNvPr id="1" name=""/>
+        <p:cNvGrpSpPr/>
+        <p:nvPr/>
+      </p:nvGrpSpPr>
+      <p:grpSpPr>
+        <a:xfrm>
+          <a:off x="0" y="0"/>
+          <a:ext cx="0" cy="0"/>
+          <a:chOff x="0" y="0"/>
+          <a:chExt cx="0" cy="0"/>
+        </a:xfrm>
+      </p:grpSpPr>
+      <p:sp>
+        <p:nvSpPr>
+          <p:cNvPr id="21" name="TextBox 20"/>
+          <p:cNvSpPr txBox="1"/>
+          <p:nvPr/>
+        </p:nvSpPr>
+        <p:spPr>
+          <a:xfrm>
+            <a:off x="3581400" y="0"/>
+            <a:ext cx="2071080" cy="461665"/>
+          </a:xfrm>
+          <a:prstGeom prst="rect">
+            <a:avLst/>
+          </a:prstGeom>
+          <a:noFill/>
+        </p:spPr>
+        <p:txBody>
+          <a:bodyPr wrap="none" rtlCol="0">
+            <a:spAutoFit/>
+          </a:bodyPr>
+          <a:lstStyle/>
+          <a:p>
+            <a:r>
+              <a:rPr lang="en-US" sz="2400" dirty="0" smtClean="0"/>
+              <a:t>Merge strategy</a:t>
+            </a:r>
+          </a:p>
+        </p:txBody>
+      </p:sp>
+      <p:sp>
+        <p:nvSpPr>
+          <p:cNvPr id="3081" name="Rectangle 9"/>
+          <p:cNvSpPr>
+            <a:spLocks noChangeArrowheads="1"/>
+          </p:cNvSpPr>
+          <p:nvPr/>
+        </p:nvSpPr>
+        <p:spPr bwMode="auto">
+          <a:xfrm>
+            <a:off x="457200" y="1325701"/>
+            <a:ext cx="2844881" cy="615553"/>
+          </a:xfrm>
+          <a:prstGeom prst="rect">
+            <a:avLst/>
+          </a:prstGeom>
+          <a:noFill/>
+          <a:ln w="9525">
+            <a:noFill/>
+            <a:miter lim="800000"/>
+            <a:headEnd/>
+            <a:tailEnd/>
+          </a:ln>
+          <a:effectLst/>
+        </p:spPr>
+        <p:txBody>
+          <a:bodyPr vert="horz" wrap="none" lIns="91440" tIns="45720" rIns="91440" bIns="45720" numCol="1" anchor="ctr" anchorCtr="0" compatLnSpc="1">
+            <a:prstTxWarp prst="textNoShape">
+              <a:avLst/>
+            </a:prstTxWarp>
+            <a:spAutoFit/>
+          </a:bodyPr>
+          <a:lstStyle/>
+          <a:p>
+            <a:pPr lvl="0" fontAlgn="base">
+              <a:spcBef>
+                <a:spcPct val="0"/>
+              </a:spcBef>
+              <a:spcAft>
+                <a:spcPct val="0"/>
+              </a:spcAft>
+            </a:pPr>
+            <a:r>
+              <a:rPr lang="en-US" sz="1400" b="1" dirty="0" smtClean="0"/>
+              <a:t>General primer on the use of </a:t>
+            </a:r>
+            <a:r>
+              <a:rPr lang="en-US" sz="1400" b="1" dirty="0" err="1" smtClean="0"/>
+              <a:t>github</a:t>
+            </a:r>
+            <a:endParaRPr lang="en-US" sz="1400" b="1" dirty="0" smtClean="0"/>
+          </a:p>
+          <a:p>
+            <a:pPr lvl="0" fontAlgn="base">
+              <a:spcBef>
+                <a:spcPct val="0"/>
+              </a:spcBef>
+              <a:spcAft>
+                <a:spcPct val="0"/>
+              </a:spcAft>
+            </a:pPr>
+            <a:endParaRPr lang="en-US" sz="1000" dirty="0" smtClean="0"/>
+          </a:p>
+          <a:p>
+            <a:pPr lvl="0" fontAlgn="base">
+              <a:spcBef>
+                <a:spcPct val="0"/>
+              </a:spcBef>
+              <a:spcAft>
+                <a:spcPct val="0"/>
+              </a:spcAft>
+            </a:pPr>
+            <a:r>
+              <a:rPr lang="en-US" sz="1000" dirty="0" smtClean="0">
+                <a:hlinkClick r:id="rId2"/>
+              </a:rPr>
+              <a:t>https</a:t>
+            </a:r>
+            <a:r>
+              <a:rPr lang="en-US" sz="1000" dirty="0" smtClean="0">
+                <a:hlinkClick r:id="rId2"/>
+              </a:rPr>
+              <a:t>://www.codecademy.com/learn/learn-git</a:t>
+            </a:r>
+            <a:endParaRPr kumimoji="0" lang="en-US" sz="1800" b="0" i="0" u="none" strike="noStrike" cap="none" normalizeH="0" baseline="0" dirty="0" smtClean="0">
+              <a:ln>
+                <a:noFill/>
+              </a:ln>
+              <a:solidFill>
+                <a:schemeClr val="tx1"/>
+              </a:solidFill>
+              <a:effectLst/>
+              <a:latin typeface="Arial" pitchFamily="34" charset="0"/>
+              <a:cs typeface="Arial" pitchFamily="34" charset="0"/>
+            </a:endParaRPr>
+          </a:p>
+        </p:txBody>
+      </p:sp>
+      <p:sp>
+        <p:nvSpPr>
+          <p:cNvPr id="32" name="Rectangle 31"/>
+          <p:cNvSpPr/>
+          <p:nvPr/>
+        </p:nvSpPr>
+        <p:spPr>
+          <a:xfrm>
+            <a:off x="5943600" y="6096000"/>
+            <a:ext cx="2816990" cy="523220"/>
+          </a:xfrm>
+          <a:prstGeom prst="rect">
+            <a:avLst/>
+          </a:prstGeom>
+        </p:spPr>
+        <p:txBody>
+          <a:bodyPr wrap="none">
+            <a:spAutoFit/>
+          </a:bodyPr>
+          <a:lstStyle/>
+          <a:p>
+            <a:r>
+              <a:rPr lang="en-US" sz="1400" dirty="0" err="1" smtClean="0"/>
+              <a:t>shawndamus</a:t>
+            </a:r>
+            <a:endParaRPr lang="en-US" sz="1400" dirty="0" smtClean="0"/>
+          </a:p>
+          <a:p>
+            <a:r>
+              <a:rPr lang="en-US" sz="1400" dirty="0" smtClean="0"/>
+              <a:t>https://gist.github.com/6158524.git</a:t>
             </a:r>
             <a:endParaRPr lang="en-US" sz="1400" dirty="0"/>
           </a:p>
@@ -6897,15 +7012,7 @@
           <a:p>
             <a:r>
               <a:rPr lang="en-US" sz="2400" dirty="0" smtClean="0"/>
-              <a:t>Configuration Buildup (create </a:t>
-            </a:r>
-            <a:r>
-              <a:rPr lang="en-US" sz="2400" dirty="0" smtClean="0"/>
-              <a:t>clone on local machine </a:t>
-            </a:r>
-            <a:r>
-              <a:rPr lang="en-US" sz="2400" dirty="0" smtClean="0"/>
-              <a:t>from fork)</a:t>
+              <a:t>Configuration Buildup (create clone on local machine from fork)</a:t>
             </a:r>
           </a:p>
         </p:txBody>
@@ -7501,11 +7608,7 @@
           <a:p>
             <a:r>
               <a:rPr lang="en-US" sz="2000" dirty="0" smtClean="0"/>
-              <a:t>Configuration Buildup (create </a:t>
-            </a:r>
-            <a:r>
-              <a:rPr lang="en-US" sz="2000" dirty="0" smtClean="0"/>
-              <a:t>clone on </a:t>
+              <a:t>Configuration Buildup (create clone on </a:t>
             </a:r>
             <a:r>
               <a:rPr lang="en-US" sz="2000" dirty="0" err="1" smtClean="0"/>
@@ -7513,17 +7616,8 @@
             </a:r>
             <a:r>
               <a:rPr lang="en-US" sz="2000" dirty="0" smtClean="0"/>
-              <a:t> system </a:t>
-            </a:r>
-            <a:r>
-              <a:rPr lang="en-US" sz="2000" dirty="0" smtClean="0"/>
-              <a:t>from </a:t>
-            </a:r>
-            <a:r>
-              <a:rPr lang="en-US" sz="2000" dirty="0" smtClean="0"/>
-              <a:t>fork )</a:t>
-            </a:r>
-            <a:endParaRPr lang="en-US" sz="2000" dirty="0" smtClean="0"/>
+              <a:t> system from fork )</a:t>
+            </a:r>
           </a:p>
         </p:txBody>
       </p:sp>
@@ -8484,13 +8578,8 @@
           <a:p>
             <a:r>
               <a:rPr lang="en-US" sz="2400" dirty="0" smtClean="0"/>
-              <a:t>Configuration </a:t>
-            </a:r>
-            <a:r>
-              <a:rPr lang="en-US" sz="2400" dirty="0" smtClean="0"/>
-              <a:t>Buildup continued (define user information)</a:t>
-            </a:r>
-            <a:endParaRPr lang="en-US" sz="2400" dirty="0" smtClean="0"/>
+              <a:t>Configuration Buildup continued (define user information)</a:t>
+            </a:r>
           </a:p>
         </p:txBody>
       </p:sp>
@@ -8754,15 +8843,7 @@
             </a:r>
             <a:r>
               <a:rPr lang="en-US" sz="1600" dirty="0" smtClean="0"/>
-              <a:t> </a:t>
-            </a:r>
-            <a:r>
-              <a:rPr lang="en-US" sz="1600" dirty="0" smtClean="0"/>
-              <a:t>“</a:t>
-            </a:r>
-            <a:r>
-              <a:rPr lang="en-US" sz="1600" dirty="0" smtClean="0"/>
-              <a:t>&lt;</a:t>
+              <a:t> “&lt;</a:t>
             </a:r>
             <a:r>
               <a:rPr lang="en-US" sz="1600" dirty="0" err="1" smtClean="0"/>
@@ -8770,11 +8851,7 @@
             </a:r>
             <a:r>
               <a:rPr lang="en-US" sz="1600" dirty="0" smtClean="0"/>
-              <a:t>&gt;</a:t>
-            </a:r>
-            <a:r>
-              <a:rPr lang="en-US" sz="1600" dirty="0" smtClean="0"/>
-              <a:t>@</a:t>
+              <a:t>&gt;@</a:t>
             </a:r>
             <a:r>
               <a:rPr lang="en-US" sz="1600" dirty="0" err="1" smtClean="0"/>
@@ -8804,17 +8881,8 @@
             </a:r>
             <a:r>
               <a:rPr lang="en-US" sz="1600" dirty="0" smtClean="0"/>
-              <a:t> --global user.name </a:t>
-            </a:r>
-            <a:r>
-              <a:rPr lang="en-US" sz="1600" dirty="0" smtClean="0"/>
-              <a:t>“</a:t>
-            </a:r>
-            <a:r>
-              <a:rPr lang="en-US" sz="1600" dirty="0" smtClean="0"/>
-              <a:t>students name”</a:t>
-            </a:r>
-            <a:endParaRPr lang="en-US" sz="1600" dirty="0" smtClean="0"/>
+              <a:t> --global user.name “students name”</a:t>
+            </a:r>
           </a:p>
           <a:p>
             <a:r>
@@ -9022,7 +9090,6 @@
               <a:rPr lang="en-US" sz="2400" dirty="0" smtClean="0"/>
               <a:t>Communication Pathways</a:t>
             </a:r>
-            <a:endParaRPr lang="en-US" sz="2400" dirty="0" smtClean="0"/>
           </a:p>
         </p:txBody>
       </p:sp>
@@ -10020,13 +10087,8 @@
           <a:p>
             <a:r>
               <a:rPr lang="en-US" dirty="0" smtClean="0"/>
-              <a:t>Update Clone2 with upstream </a:t>
-            </a:r>
-            <a:r>
-              <a:rPr lang="en-US" dirty="0" smtClean="0"/>
-              <a:t>changes</a:t>
-            </a:r>
-            <a:endParaRPr lang="en-US" dirty="0" smtClean="0"/>
+              <a:t>Update Clone2 with upstream changes</a:t>
+            </a:r>
           </a:p>
           <a:p>
             <a:r>
@@ -10758,21 +10820,8 @@
           <a:p>
             <a:r>
               <a:rPr lang="en-US" sz="2400" dirty="0" smtClean="0"/>
-              <a:t>Update </a:t>
-            </a:r>
-            <a:r>
-              <a:rPr lang="en-US" sz="2400" dirty="0" smtClean="0"/>
-              <a:t>Clone2 </a:t>
-            </a:r>
-            <a:r>
-              <a:rPr lang="en-US" sz="2400" dirty="0" smtClean="0"/>
-              <a:t>with changes from </a:t>
-            </a:r>
-            <a:r>
-              <a:rPr lang="en-US" sz="2400" dirty="0" smtClean="0"/>
-              <a:t>Origin</a:t>
-            </a:r>
-            <a:endParaRPr lang="en-US" sz="2400" dirty="0" smtClean="0"/>
+              <a:t>Update Clone2 with changes from Origin</a:t>
+            </a:r>
           </a:p>
         </p:txBody>
       </p:sp>
@@ -11013,11 +11062,7 @@
           <a:p>
             <a:r>
               <a:rPr lang="en-US" u="sng" dirty="0" smtClean="0"/>
-              <a:t>Pull </a:t>
-            </a:r>
-            <a:r>
-              <a:rPr lang="en-US" u="sng" dirty="0" smtClean="0"/>
-              <a:t>the changes</a:t>
+              <a:t>Pull the changes</a:t>
             </a:r>
           </a:p>
           <a:p>
@@ -11031,15 +11076,7 @@
             </a:r>
             <a:r>
               <a:rPr lang="en-US" dirty="0" smtClean="0"/>
-              <a:t> </a:t>
-            </a:r>
-            <a:r>
-              <a:rPr lang="en-US" dirty="0" smtClean="0"/>
-              <a:t>pull </a:t>
-            </a:r>
-            <a:r>
-              <a:rPr lang="en-US" dirty="0" smtClean="0"/>
-              <a:t>origin master </a:t>
+              <a:t> pull origin master </a:t>
             </a:r>
             <a:endParaRPr lang="en-US" dirty="0"/>
           </a:p>

--- a/students/eric_v/debris/Using_git.pptx
+++ b/students/eric_v/debris/Using_git.pptx
@@ -302,7 +302,7 @@
             <a:fld id="{3159C66E-6022-41FD-AC9F-85F12CCF35E0}" type="datetimeFigureOut">
               <a:rPr lang="en-US" smtClean="0"/>
               <a:pPr/>
-              <a:t>11/29/2015</a:t>
+              <a:t>11/30/2015</a:t>
             </a:fld>
             <a:endParaRPr lang="en-US"/>
           </a:p>
@@ -469,7 +469,7 @@
             <a:fld id="{3159C66E-6022-41FD-AC9F-85F12CCF35E0}" type="datetimeFigureOut">
               <a:rPr lang="en-US" smtClean="0"/>
               <a:pPr/>
-              <a:t>11/29/2015</a:t>
+              <a:t>11/30/2015</a:t>
             </a:fld>
             <a:endParaRPr lang="en-US"/>
           </a:p>
@@ -646,7 +646,7 @@
             <a:fld id="{3159C66E-6022-41FD-AC9F-85F12CCF35E0}" type="datetimeFigureOut">
               <a:rPr lang="en-US" smtClean="0"/>
               <a:pPr/>
-              <a:t>11/29/2015</a:t>
+              <a:t>11/30/2015</a:t>
             </a:fld>
             <a:endParaRPr lang="en-US"/>
           </a:p>
@@ -813,7 +813,7 @@
             <a:fld id="{3159C66E-6022-41FD-AC9F-85F12CCF35E0}" type="datetimeFigureOut">
               <a:rPr lang="en-US" smtClean="0"/>
               <a:pPr/>
-              <a:t>11/29/2015</a:t>
+              <a:t>11/30/2015</a:t>
             </a:fld>
             <a:endParaRPr lang="en-US"/>
           </a:p>
@@ -1056,7 +1056,7 @@
             <a:fld id="{3159C66E-6022-41FD-AC9F-85F12CCF35E0}" type="datetimeFigureOut">
               <a:rPr lang="en-US" smtClean="0"/>
               <a:pPr/>
-              <a:t>11/29/2015</a:t>
+              <a:t>11/30/2015</a:t>
             </a:fld>
             <a:endParaRPr lang="en-US"/>
           </a:p>
@@ -1341,7 +1341,7 @@
             <a:fld id="{3159C66E-6022-41FD-AC9F-85F12CCF35E0}" type="datetimeFigureOut">
               <a:rPr lang="en-US" smtClean="0"/>
               <a:pPr/>
-              <a:t>11/29/2015</a:t>
+              <a:t>11/30/2015</a:t>
             </a:fld>
             <a:endParaRPr lang="en-US"/>
           </a:p>
@@ -1760,7 +1760,7 @@
             <a:fld id="{3159C66E-6022-41FD-AC9F-85F12CCF35E0}" type="datetimeFigureOut">
               <a:rPr lang="en-US" smtClean="0"/>
               <a:pPr/>
-              <a:t>11/29/2015</a:t>
+              <a:t>11/30/2015</a:t>
             </a:fld>
             <a:endParaRPr lang="en-US"/>
           </a:p>
@@ -1875,7 +1875,7 @@
             <a:fld id="{3159C66E-6022-41FD-AC9F-85F12CCF35E0}" type="datetimeFigureOut">
               <a:rPr lang="en-US" smtClean="0"/>
               <a:pPr/>
-              <a:t>11/29/2015</a:t>
+              <a:t>11/30/2015</a:t>
             </a:fld>
             <a:endParaRPr lang="en-US"/>
           </a:p>
@@ -1967,7 +1967,7 @@
             <a:fld id="{3159C66E-6022-41FD-AC9F-85F12CCF35E0}" type="datetimeFigureOut">
               <a:rPr lang="en-US" smtClean="0"/>
               <a:pPr/>
-              <a:t>11/29/2015</a:t>
+              <a:t>11/30/2015</a:t>
             </a:fld>
             <a:endParaRPr lang="en-US"/>
           </a:p>
@@ -2241,7 +2241,7 @@
             <a:fld id="{3159C66E-6022-41FD-AC9F-85F12CCF35E0}" type="datetimeFigureOut">
               <a:rPr lang="en-US" smtClean="0"/>
               <a:pPr/>
-              <a:t>11/29/2015</a:t>
+              <a:t>11/30/2015</a:t>
             </a:fld>
             <a:endParaRPr lang="en-US"/>
           </a:p>
@@ -2491,7 +2491,7 @@
             <a:fld id="{3159C66E-6022-41FD-AC9F-85F12CCF35E0}" type="datetimeFigureOut">
               <a:rPr lang="en-US" smtClean="0"/>
               <a:pPr/>
-              <a:t>11/29/2015</a:t>
+              <a:t>11/30/2015</a:t>
             </a:fld>
             <a:endParaRPr lang="en-US"/>
           </a:p>
@@ -2701,7 +2701,7 @@
             <a:fld id="{3159C66E-6022-41FD-AC9F-85F12CCF35E0}" type="datetimeFigureOut">
               <a:rPr lang="en-US" smtClean="0"/>
               <a:pPr/>
-              <a:t>11/29/2015</a:t>
+              <a:t>11/30/2015</a:t>
             </a:fld>
             <a:endParaRPr lang="en-US"/>
           </a:p>
@@ -6602,8 +6602,8 @@
         </p:nvSpPr>
         <p:spPr bwMode="auto">
           <a:xfrm>
-            <a:off x="457200" y="1325701"/>
-            <a:ext cx="2844881" cy="615553"/>
+            <a:off x="457201" y="1325701"/>
+            <a:ext cx="7696200" cy="615553"/>
           </a:xfrm>
           <a:prstGeom prst="rect">
             <a:avLst/>
@@ -6618,7 +6618,7 @@
           <a:effectLst/>
         </p:spPr>
         <p:txBody>
-          <a:bodyPr vert="horz" wrap="none" lIns="91440" tIns="45720" rIns="91440" bIns="45720" numCol="1" anchor="ctr" anchorCtr="0" compatLnSpc="1">
+          <a:bodyPr vert="horz" wrap="square" lIns="91440" tIns="45720" rIns="91440" bIns="45720" numCol="1" anchor="ctr" anchorCtr="0" compatLnSpc="1">
             <a:prstTxWarp prst="textNoShape">
               <a:avLst/>
             </a:prstTxWarp>
@@ -6671,10 +6671,16 @@
               <a:t>https</a:t>
             </a:r>
             <a:r>
-              <a:rPr lang="en-US" sz="1000" dirty="0" smtClean="0">
+              <a:rPr lang="en-US" sz="1000" smtClean="0">
                 <a:hlinkClick r:id="rId2"/>
               </a:rPr>
-              <a:t>://www.codecademy.com/learn/learn-git</a:t>
+              <a:t>://</a:t>
+            </a:r>
+            <a:r>
+              <a:rPr lang="en-US" sz="1000" smtClean="0">
+                <a:hlinkClick r:id="rId2"/>
+              </a:rPr>
+              <a:t>www.codecademy.com/learn/learn-git</a:t>
             </a:r>
             <a:endParaRPr kumimoji="0" lang="en-US" sz="1800" b="0" i="0" u="none" strike="noStrike" cap="none" normalizeH="0" baseline="0" dirty="0" smtClean="0">
               <a:ln>
@@ -6723,6 +6729,136 @@
               <a:t>https://gist.github.com/6158524.git</a:t>
             </a:r>
             <a:endParaRPr lang="en-US" sz="1400" dirty="0"/>
+          </a:p>
+        </p:txBody>
+      </p:sp>
+      <p:sp>
+        <p:nvSpPr>
+          <p:cNvPr id="5" name="Rectangle 9"/>
+          <p:cNvSpPr>
+            <a:spLocks noChangeArrowheads="1"/>
+          </p:cNvSpPr>
+          <p:nvPr/>
+        </p:nvSpPr>
+        <p:spPr bwMode="auto">
+          <a:xfrm>
+            <a:off x="457200" y="2590800"/>
+            <a:ext cx="7696200" cy="1200329"/>
+          </a:xfrm>
+          <a:prstGeom prst="rect">
+            <a:avLst/>
+          </a:prstGeom>
+          <a:noFill/>
+          <a:ln w="9525">
+            <a:noFill/>
+            <a:miter lim="800000"/>
+            <a:headEnd/>
+            <a:tailEnd/>
+          </a:ln>
+          <a:effectLst/>
+        </p:spPr>
+        <p:txBody>
+          <a:bodyPr vert="horz" wrap="square" lIns="91440" tIns="45720" rIns="91440" bIns="45720" numCol="1" anchor="ctr" anchorCtr="0" compatLnSpc="1">
+            <a:prstTxWarp prst="textNoShape">
+              <a:avLst/>
+            </a:prstTxWarp>
+            <a:spAutoFit/>
+          </a:bodyPr>
+          <a:lstStyle/>
+          <a:p>
+            <a:pPr lvl="0" fontAlgn="base">
+              <a:spcBef>
+                <a:spcPct val="0"/>
+              </a:spcBef>
+              <a:spcAft>
+                <a:spcPct val="0"/>
+              </a:spcAft>
+            </a:pPr>
+            <a:r>
+              <a:rPr lang="en-US" dirty="0" smtClean="0"/>
+              <a:t>Merge conflict (use </a:t>
+            </a:r>
+            <a:r>
+              <a:rPr lang="en-US" dirty="0" err="1" smtClean="0"/>
+              <a:t>git</a:t>
+            </a:r>
+            <a:r>
+              <a:rPr lang="en-US" dirty="0" smtClean="0"/>
+              <a:t> reset –hard to delete all local)</a:t>
+            </a:r>
+          </a:p>
+          <a:p>
+            <a:pPr lvl="0" fontAlgn="base">
+              <a:spcBef>
+                <a:spcPct val="0"/>
+              </a:spcBef>
+              <a:spcAft>
+                <a:spcPct val="0"/>
+              </a:spcAft>
+            </a:pPr>
+            <a:r>
+              <a:rPr lang="en-US" dirty="0" smtClean="0"/>
+              <a:t>&gt;&gt;  </a:t>
+            </a:r>
+            <a:r>
+              <a:rPr lang="en-US" dirty="0" smtClean="0"/>
+              <a:t>commit your changes or stash them before you can merge</a:t>
+            </a:r>
+            <a:r>
+              <a:rPr lang="en-US" dirty="0" smtClean="0"/>
+              <a:t>.</a:t>
+            </a:r>
+          </a:p>
+          <a:p>
+            <a:pPr lvl="0" fontAlgn="base">
+              <a:spcBef>
+                <a:spcPct val="0"/>
+              </a:spcBef>
+              <a:spcAft>
+                <a:spcPct val="0"/>
+              </a:spcAft>
+            </a:pPr>
+            <a:r>
+              <a:rPr lang="en-US" dirty="0" smtClean="0"/>
+              <a:t>Aborting </a:t>
+            </a:r>
+          </a:p>
+          <a:p>
+            <a:pPr lvl="0" fontAlgn="base">
+              <a:spcBef>
+                <a:spcPct val="0"/>
+              </a:spcBef>
+              <a:spcAft>
+                <a:spcPct val="0"/>
+              </a:spcAft>
+            </a:pPr>
+            <a:r>
+              <a:rPr lang="en-US" dirty="0" smtClean="0"/>
+              <a:t>&gt;&gt; ~/</a:t>
+            </a:r>
+            <a:r>
+              <a:rPr lang="en-US" dirty="0" smtClean="0"/>
+              <a:t>IntroPython2015 (master)$ </a:t>
+            </a:r>
+            <a:r>
+              <a:rPr lang="en-US" dirty="0" err="1" smtClean="0"/>
+              <a:t>git</a:t>
+            </a:r>
+            <a:r>
+              <a:rPr lang="en-US" dirty="0" smtClean="0"/>
+              <a:t> reset --hard</a:t>
+            </a:r>
+            <a:endParaRPr kumimoji="0" lang="en-US" sz="1800" b="0" i="0" u="none" strike="noStrike" cap="none" normalizeH="0" baseline="0" dirty="0" smtClean="0">
+              <a:ln>
+                <a:noFill/>
+              </a:ln>
+              <a:solidFill>
+                <a:schemeClr val="tx1"/>
+              </a:solidFill>
+              <a:effectLst/>
+              <a:latin typeface="Arial" pitchFamily="34" charset="0"/>
+              <a:cs typeface="Arial" pitchFamily="34" charset="0"/>
+            </a:endParaRPr>
           </a:p>
         </p:txBody>
       </p:sp>

--- a/students/eric_v/debris/Using_git.pptx
+++ b/students/eric_v/debris/Using_git.pptx
@@ -19,6 +19,7 @@
     <p:sldId id="272" r:id="rId13"/>
     <p:sldId id="273" r:id="rId14"/>
     <p:sldId id="274" r:id="rId15"/>
+    <p:sldId id="275" r:id="rId16"/>
   </p:sldIdLst>
   <p:sldSz cx="9144000" cy="6858000" type="screen4x3"/>
   <p:notesSz cx="6934200" cy="9220200"/>
@@ -302,7 +303,7 @@
             <a:fld id="{3159C66E-6022-41FD-AC9F-85F12CCF35E0}" type="datetimeFigureOut">
               <a:rPr lang="en-US" smtClean="0"/>
               <a:pPr/>
-              <a:t>11/30/2015</a:t>
+              <a:t>2/3/2016</a:t>
             </a:fld>
             <a:endParaRPr lang="en-US"/>
           </a:p>
@@ -469,7 +470,7 @@
             <a:fld id="{3159C66E-6022-41FD-AC9F-85F12CCF35E0}" type="datetimeFigureOut">
               <a:rPr lang="en-US" smtClean="0"/>
               <a:pPr/>
-              <a:t>11/30/2015</a:t>
+              <a:t>2/3/2016</a:t>
             </a:fld>
             <a:endParaRPr lang="en-US"/>
           </a:p>
@@ -646,7 +647,7 @@
             <a:fld id="{3159C66E-6022-41FD-AC9F-85F12CCF35E0}" type="datetimeFigureOut">
               <a:rPr lang="en-US" smtClean="0"/>
               <a:pPr/>
-              <a:t>11/30/2015</a:t>
+              <a:t>2/3/2016</a:t>
             </a:fld>
             <a:endParaRPr lang="en-US"/>
           </a:p>
@@ -813,7 +814,7 @@
             <a:fld id="{3159C66E-6022-41FD-AC9F-85F12CCF35E0}" type="datetimeFigureOut">
               <a:rPr lang="en-US" smtClean="0"/>
               <a:pPr/>
-              <a:t>11/30/2015</a:t>
+              <a:t>2/3/2016</a:t>
             </a:fld>
             <a:endParaRPr lang="en-US"/>
           </a:p>
@@ -1056,7 +1057,7 @@
             <a:fld id="{3159C66E-6022-41FD-AC9F-85F12CCF35E0}" type="datetimeFigureOut">
               <a:rPr lang="en-US" smtClean="0"/>
               <a:pPr/>
-              <a:t>11/30/2015</a:t>
+              <a:t>2/3/2016</a:t>
             </a:fld>
             <a:endParaRPr lang="en-US"/>
           </a:p>
@@ -1341,7 +1342,7 @@
             <a:fld id="{3159C66E-6022-41FD-AC9F-85F12CCF35E0}" type="datetimeFigureOut">
               <a:rPr lang="en-US" smtClean="0"/>
               <a:pPr/>
-              <a:t>11/30/2015</a:t>
+              <a:t>2/3/2016</a:t>
             </a:fld>
             <a:endParaRPr lang="en-US"/>
           </a:p>
@@ -1760,7 +1761,7 @@
             <a:fld id="{3159C66E-6022-41FD-AC9F-85F12CCF35E0}" type="datetimeFigureOut">
               <a:rPr lang="en-US" smtClean="0"/>
               <a:pPr/>
-              <a:t>11/30/2015</a:t>
+              <a:t>2/3/2016</a:t>
             </a:fld>
             <a:endParaRPr lang="en-US"/>
           </a:p>
@@ -1875,7 +1876,7 @@
             <a:fld id="{3159C66E-6022-41FD-AC9F-85F12CCF35E0}" type="datetimeFigureOut">
               <a:rPr lang="en-US" smtClean="0"/>
               <a:pPr/>
-              <a:t>11/30/2015</a:t>
+              <a:t>2/3/2016</a:t>
             </a:fld>
             <a:endParaRPr lang="en-US"/>
           </a:p>
@@ -1967,7 +1968,7 @@
             <a:fld id="{3159C66E-6022-41FD-AC9F-85F12CCF35E0}" type="datetimeFigureOut">
               <a:rPr lang="en-US" smtClean="0"/>
               <a:pPr/>
-              <a:t>11/30/2015</a:t>
+              <a:t>2/3/2016</a:t>
             </a:fld>
             <a:endParaRPr lang="en-US"/>
           </a:p>
@@ -2241,7 +2242,7 @@
             <a:fld id="{3159C66E-6022-41FD-AC9F-85F12CCF35E0}" type="datetimeFigureOut">
               <a:rPr lang="en-US" smtClean="0"/>
               <a:pPr/>
-              <a:t>11/30/2015</a:t>
+              <a:t>2/3/2016</a:t>
             </a:fld>
             <a:endParaRPr lang="en-US"/>
           </a:p>
@@ -2491,7 +2492,7 @@
             <a:fld id="{3159C66E-6022-41FD-AC9F-85F12CCF35E0}" type="datetimeFigureOut">
               <a:rPr lang="en-US" smtClean="0"/>
               <a:pPr/>
-              <a:t>11/30/2015</a:t>
+              <a:t>2/3/2016</a:t>
             </a:fld>
             <a:endParaRPr lang="en-US"/>
           </a:p>
@@ -2701,7 +2702,7 @@
             <a:fld id="{3159C66E-6022-41FD-AC9F-85F12CCF35E0}" type="datetimeFigureOut">
               <a:rPr lang="en-US" smtClean="0"/>
               <a:pPr/>
-              <a:t>11/30/2015</a:t>
+              <a:t>2/3/2016</a:t>
             </a:fld>
             <a:endParaRPr lang="en-US"/>
           </a:p>
@@ -6674,13 +6675,7 @@
               <a:rPr lang="en-US" sz="1000" smtClean="0">
                 <a:hlinkClick r:id="rId2"/>
               </a:rPr>
-              <a:t>://</a:t>
-            </a:r>
-            <a:r>
-              <a:rPr lang="en-US" sz="1000" smtClean="0">
-                <a:hlinkClick r:id="rId2"/>
-              </a:rPr>
-              <a:t>www.codecademy.com/learn/learn-git</a:t>
+              <a:t>://www.codecademy.com/learn/learn-git</a:t>
             </a:r>
             <a:endParaRPr kumimoji="0" lang="en-US" sz="1800" b="0" i="0" u="none" strike="noStrike" cap="none" normalizeH="0" baseline="0" dirty="0" smtClean="0">
               <a:ln>
@@ -6798,15 +6793,7 @@
             </a:pPr>
             <a:r>
               <a:rPr lang="en-US" dirty="0" smtClean="0"/>
-              <a:t>&gt;&gt;  </a:t>
-            </a:r>
-            <a:r>
-              <a:rPr lang="en-US" dirty="0" smtClean="0"/>
-              <a:t>commit your changes or stash them before you can merge</a:t>
-            </a:r>
-            <a:r>
-              <a:rPr lang="en-US" dirty="0" smtClean="0"/>
-              <a:t>.</a:t>
+              <a:t>&gt;&gt;  commit your changes or stash them before you can merge.</a:t>
             </a:r>
           </a:p>
           <a:p>
@@ -6834,11 +6821,7 @@
             </a:pPr>
             <a:r>
               <a:rPr lang="en-US" dirty="0" smtClean="0"/>
-              <a:t>&gt;&gt; ~/</a:t>
-            </a:r>
-            <a:r>
-              <a:rPr lang="en-US" dirty="0" smtClean="0"/>
-              <a:t>IntroPython2015 (master)$ </a:t>
+              <a:t>&gt;&gt; ~/IntroPython2015 (master)$ </a:t>
             </a:r>
             <a:r>
               <a:rPr lang="en-US" dirty="0" err="1" smtClean="0"/>
@@ -6859,6 +6842,530 @@
               <a:latin typeface="Arial" pitchFamily="34" charset="0"/>
               <a:cs typeface="Arial" pitchFamily="34" charset="0"/>
             </a:endParaRPr>
+          </a:p>
+        </p:txBody>
+      </p:sp>
+    </p:spTree>
+  </p:cSld>
+  <p:clrMapOvr>
+    <a:masterClrMapping/>
+  </p:clrMapOvr>
+  <p:timing>
+    <p:tnLst>
+      <p:par>
+        <p:cTn id="1" dur="indefinite" restart="never" nodeType="tmRoot"/>
+      </p:par>
+    </p:tnLst>
+  </p:timing>
+</p:sld>
+</file>
+
+<file path=ppt/slides/slide15.xml><?xml version="1.0" encoding="utf-8"?>
+<p:sld xmlns:a="http://schemas.openxmlformats.org/drawingml/2006/main" xmlns:r="http://schemas.openxmlformats.org/officeDocument/2006/relationships" xmlns:p="http://schemas.openxmlformats.org/presentationml/2006/main">
+  <p:cSld>
+    <p:spTree>
+      <p:nvGrpSpPr>
+        <p:cNvPr id="1" name=""/>
+        <p:cNvGrpSpPr/>
+        <p:nvPr/>
+      </p:nvGrpSpPr>
+      <p:grpSpPr>
+        <a:xfrm>
+          <a:off x="0" y="0"/>
+          <a:ext cx="0" cy="0"/>
+          <a:chOff x="0" y="0"/>
+          <a:chExt cx="0" cy="0"/>
+        </a:xfrm>
+      </p:grpSpPr>
+      <p:sp>
+        <p:nvSpPr>
+          <p:cNvPr id="21" name="TextBox 20"/>
+          <p:cNvSpPr txBox="1"/>
+          <p:nvPr/>
+        </p:nvSpPr>
+        <p:spPr>
+          <a:xfrm>
+            <a:off x="3581400" y="0"/>
+            <a:ext cx="2071080" cy="461665"/>
+          </a:xfrm>
+          <a:prstGeom prst="rect">
+            <a:avLst/>
+          </a:prstGeom>
+          <a:noFill/>
+        </p:spPr>
+        <p:txBody>
+          <a:bodyPr wrap="none" rtlCol="0">
+            <a:spAutoFit/>
+          </a:bodyPr>
+          <a:lstStyle/>
+          <a:p>
+            <a:r>
+              <a:rPr lang="en-US" sz="2400" dirty="0" smtClean="0"/>
+              <a:t>Merge strategy</a:t>
+            </a:r>
+          </a:p>
+        </p:txBody>
+      </p:sp>
+      <p:sp>
+        <p:nvSpPr>
+          <p:cNvPr id="3081" name="Rectangle 9"/>
+          <p:cNvSpPr>
+            <a:spLocks noChangeArrowheads="1"/>
+          </p:cNvSpPr>
+          <p:nvPr/>
+        </p:nvSpPr>
+        <p:spPr bwMode="auto">
+          <a:xfrm>
+            <a:off x="457200" y="990600"/>
+            <a:ext cx="7696200" cy="1538883"/>
+          </a:xfrm>
+          <a:prstGeom prst="rect">
+            <a:avLst/>
+          </a:prstGeom>
+          <a:noFill/>
+          <a:ln w="9525">
+            <a:noFill/>
+            <a:miter lim="800000"/>
+            <a:headEnd/>
+            <a:tailEnd/>
+          </a:ln>
+          <a:effectLst/>
+        </p:spPr>
+        <p:txBody>
+          <a:bodyPr vert="horz" wrap="square" lIns="91440" tIns="45720" rIns="91440" bIns="45720" numCol="1" anchor="ctr" anchorCtr="0" compatLnSpc="1">
+            <a:prstTxWarp prst="textNoShape">
+              <a:avLst/>
+            </a:prstTxWarp>
+            <a:spAutoFit/>
+          </a:bodyPr>
+          <a:lstStyle/>
+          <a:p>
+            <a:pPr lvl="0" fontAlgn="base">
+              <a:spcBef>
+                <a:spcPct val="0"/>
+              </a:spcBef>
+              <a:spcAft>
+                <a:spcPct val="0"/>
+              </a:spcAft>
+            </a:pPr>
+            <a:r>
+              <a:rPr lang="en-US" sz="1400" b="1" dirty="0" smtClean="0"/>
+              <a:t>Create local repository and add to </a:t>
+            </a:r>
+            <a:r>
+              <a:rPr lang="en-US" sz="1400" b="1" dirty="0" err="1" smtClean="0"/>
+              <a:t>GitHub</a:t>
+            </a:r>
+            <a:endParaRPr lang="en-US" sz="1400" b="1" dirty="0" smtClean="0"/>
+          </a:p>
+          <a:p>
+            <a:pPr lvl="0" fontAlgn="base">
+              <a:spcBef>
+                <a:spcPct val="0"/>
+              </a:spcBef>
+              <a:spcAft>
+                <a:spcPct val="0"/>
+              </a:spcAft>
+            </a:pPr>
+            <a:endParaRPr lang="en-US" sz="1000" dirty="0" smtClean="0"/>
+          </a:p>
+          <a:p>
+            <a:pPr lvl="0" fontAlgn="base">
+              <a:spcBef>
+                <a:spcPct val="0"/>
+              </a:spcBef>
+              <a:spcAft>
+                <a:spcPct val="0"/>
+              </a:spcAft>
+            </a:pPr>
+            <a:r>
+              <a:rPr lang="en-US" sz="1000" dirty="0" smtClean="0"/>
+              <a:t>https://video.search.yahoo.com/video/play;_ylt=A2KIo9aC1rJWBj4A4HEsnIlQ;_ylu=X3oDMTByZWc0dGJtBHNlYwNzcgRzbGsDdmlkBHZ0aWQDBGdwb3MDMQ--?p=Link+Local+Repository+To+Github+Tutorial&amp;vid=0fdef63c2e861fd8941ef3fea54ef63f&amp;turl=http%3A%2F%2Ftse2.mm.bing.net%2Fth%3Fid%3DOVP.V85d0f3a203b705cee5125fab38890332%26pid%3D15.1%26h%3D138%26w%3D300%26c%3D7%26rs%3D1&amp;rurl=https%3A%2F%2Fwww.youtube.com%2Fwatch%3Fv%3DmMsWq3rS6Po&amp;tit=How+to+create+your+first+repository+and+upload+it+to+Github&amp;c=0&amp;h=138&amp;w=300&amp;l=283&amp;sigr=11b23m7qc&amp;sigt=11rc8e6ad&amp;sigi=13110f1vi&amp;age=1357797160&amp;fr2=p%3As%2Cv%3Av&amp;fr=yhs-mozilla-001&amp;hsimp=yhs-001&amp;hspart=mozilla&amp;tt=b</a:t>
+            </a:r>
+            <a:endParaRPr kumimoji="0" lang="en-US" sz="1800" b="0" i="0" u="none" strike="noStrike" cap="none" normalizeH="0" baseline="0" dirty="0" smtClean="0">
+              <a:ln>
+                <a:noFill/>
+              </a:ln>
+              <a:solidFill>
+                <a:schemeClr val="tx1"/>
+              </a:solidFill>
+              <a:effectLst/>
+              <a:latin typeface="Arial" pitchFamily="34" charset="0"/>
+              <a:cs typeface="Arial" pitchFamily="34" charset="0"/>
+            </a:endParaRPr>
+          </a:p>
+        </p:txBody>
+      </p:sp>
+      <p:sp>
+        <p:nvSpPr>
+          <p:cNvPr id="5" name="Rectangle 9"/>
+          <p:cNvSpPr>
+            <a:spLocks noChangeArrowheads="1"/>
+          </p:cNvSpPr>
+          <p:nvPr/>
+        </p:nvSpPr>
+        <p:spPr bwMode="auto">
+          <a:xfrm>
+            <a:off x="457200" y="2590800"/>
+            <a:ext cx="7696200" cy="3539430"/>
+          </a:xfrm>
+          <a:prstGeom prst="rect">
+            <a:avLst/>
+          </a:prstGeom>
+          <a:noFill/>
+          <a:ln w="9525">
+            <a:noFill/>
+            <a:miter lim="800000"/>
+            <a:headEnd/>
+            <a:tailEnd/>
+          </a:ln>
+          <a:effectLst/>
+        </p:spPr>
+        <p:txBody>
+          <a:bodyPr vert="horz" wrap="square" lIns="91440" tIns="45720" rIns="91440" bIns="45720" numCol="1" anchor="ctr" anchorCtr="0" compatLnSpc="1">
+            <a:prstTxWarp prst="textNoShape">
+              <a:avLst/>
+            </a:prstTxWarp>
+            <a:spAutoFit/>
+          </a:bodyPr>
+          <a:lstStyle/>
+          <a:p>
+            <a:pPr lvl="0" fontAlgn="base">
+              <a:spcBef>
+                <a:spcPct val="0"/>
+              </a:spcBef>
+              <a:spcAft>
+                <a:spcPct val="0"/>
+              </a:spcAft>
+            </a:pPr>
+            <a:r>
+              <a:rPr lang="en-US" sz="1400" dirty="0" smtClean="0"/>
+              <a:t>Create local repository</a:t>
+            </a:r>
+          </a:p>
+          <a:p>
+            <a:pPr lvl="1" fontAlgn="base">
+              <a:spcBef>
+                <a:spcPct val="0"/>
+              </a:spcBef>
+              <a:spcAft>
+                <a:spcPct val="0"/>
+              </a:spcAft>
+              <a:buFont typeface="Arial" pitchFamily="34" charset="0"/>
+              <a:buChar char="•"/>
+            </a:pPr>
+            <a:r>
+              <a:rPr lang="en-US" sz="1400" dirty="0" smtClean="0"/>
+              <a:t> create .</a:t>
+            </a:r>
+            <a:r>
+              <a:rPr lang="en-US" sz="1400" dirty="0" err="1" smtClean="0"/>
+              <a:t>gitignore</a:t>
+            </a:r>
+            <a:endParaRPr lang="en-US" sz="1400" dirty="0" smtClean="0"/>
+          </a:p>
+          <a:p>
+            <a:pPr lvl="1" fontAlgn="base">
+              <a:spcBef>
+                <a:spcPct val="0"/>
+              </a:spcBef>
+              <a:spcAft>
+                <a:spcPct val="0"/>
+              </a:spcAft>
+              <a:buFont typeface="Arial" pitchFamily="34" charset="0"/>
+              <a:buChar char="•"/>
+            </a:pPr>
+            <a:r>
+              <a:rPr lang="en-US" sz="1400" dirty="0" smtClean="0"/>
+              <a:t> </a:t>
+            </a:r>
+            <a:r>
+              <a:rPr lang="en-US" sz="1400" dirty="0" smtClean="0"/>
+              <a:t>add desired files</a:t>
+            </a:r>
+          </a:p>
+          <a:p>
+            <a:pPr lvl="1" fontAlgn="base">
+              <a:spcBef>
+                <a:spcPct val="0"/>
+              </a:spcBef>
+              <a:spcAft>
+                <a:spcPct val="0"/>
+              </a:spcAft>
+              <a:buFont typeface="Arial" pitchFamily="34" charset="0"/>
+              <a:buChar char="•"/>
+            </a:pPr>
+            <a:r>
+              <a:rPr lang="en-US" sz="1400" dirty="0" smtClean="0"/>
+              <a:t> run </a:t>
+            </a:r>
+            <a:r>
+              <a:rPr lang="en-US" sz="1400" dirty="0" err="1" smtClean="0"/>
+              <a:t>git</a:t>
+            </a:r>
+            <a:r>
+              <a:rPr lang="en-US" sz="1400" dirty="0" smtClean="0"/>
+              <a:t> status</a:t>
+            </a:r>
+          </a:p>
+          <a:p>
+            <a:pPr lvl="1" fontAlgn="base">
+              <a:spcBef>
+                <a:spcPct val="0"/>
+              </a:spcBef>
+              <a:spcAft>
+                <a:spcPct val="0"/>
+              </a:spcAft>
+              <a:buFont typeface="Arial" pitchFamily="34" charset="0"/>
+              <a:buChar char="•"/>
+            </a:pPr>
+            <a:r>
+              <a:rPr lang="en-US" sz="1400" dirty="0" smtClean="0"/>
+              <a:t> </a:t>
+            </a:r>
+            <a:r>
+              <a:rPr lang="en-US" sz="1400" dirty="0" smtClean="0"/>
+              <a:t>commit file</a:t>
+            </a:r>
+          </a:p>
+          <a:p>
+            <a:pPr lvl="1" fontAlgn="base">
+              <a:spcBef>
+                <a:spcPct val="0"/>
+              </a:spcBef>
+              <a:spcAft>
+                <a:spcPct val="0"/>
+              </a:spcAft>
+            </a:pPr>
+            <a:endParaRPr lang="en-US" sz="1400" dirty="0" smtClean="0"/>
+          </a:p>
+          <a:p>
+            <a:pPr lvl="0" fontAlgn="base">
+              <a:spcBef>
+                <a:spcPct val="0"/>
+              </a:spcBef>
+              <a:spcAft>
+                <a:spcPct val="0"/>
+              </a:spcAft>
+            </a:pPr>
+            <a:r>
+              <a:rPr lang="en-US" sz="1400" dirty="0" smtClean="0"/>
+              <a:t>Create </a:t>
+            </a:r>
+            <a:r>
+              <a:rPr lang="en-US" sz="1400" dirty="0" err="1" smtClean="0"/>
+              <a:t>GitHub</a:t>
+            </a:r>
+            <a:r>
+              <a:rPr lang="en-US" sz="1400" dirty="0" smtClean="0"/>
+              <a:t> repository (inside the directory)</a:t>
+            </a:r>
+          </a:p>
+          <a:p>
+            <a:pPr lvl="1" fontAlgn="base">
+              <a:spcBef>
+                <a:spcPct val="0"/>
+              </a:spcBef>
+              <a:spcAft>
+                <a:spcPct val="0"/>
+              </a:spcAft>
+              <a:buFont typeface="Arial" pitchFamily="34" charset="0"/>
+              <a:buChar char="•"/>
+            </a:pPr>
+            <a:r>
+              <a:rPr lang="en-US" sz="1400" dirty="0" smtClean="0"/>
+              <a:t> </a:t>
+            </a:r>
+            <a:r>
+              <a:rPr lang="en-US" sz="1400" dirty="0" smtClean="0"/>
+              <a:t>touch README.md</a:t>
+            </a:r>
+          </a:p>
+          <a:p>
+            <a:pPr lvl="1" fontAlgn="base">
+              <a:spcBef>
+                <a:spcPct val="0"/>
+              </a:spcBef>
+              <a:spcAft>
+                <a:spcPct val="0"/>
+              </a:spcAft>
+              <a:buFont typeface="Arial" pitchFamily="34" charset="0"/>
+              <a:buChar char="•"/>
+            </a:pPr>
+            <a:r>
+              <a:rPr lang="en-US" sz="1400" dirty="0" smtClean="0"/>
+              <a:t> </a:t>
+            </a:r>
+            <a:r>
+              <a:rPr lang="en-US" sz="1400" dirty="0" err="1" smtClean="0"/>
+              <a:t>git</a:t>
+            </a:r>
+            <a:r>
+              <a:rPr lang="en-US" sz="1400" dirty="0" smtClean="0"/>
+              <a:t> init</a:t>
+            </a:r>
+          </a:p>
+          <a:p>
+            <a:pPr lvl="1" fontAlgn="base">
+              <a:spcBef>
+                <a:spcPct val="0"/>
+              </a:spcBef>
+              <a:spcAft>
+                <a:spcPct val="0"/>
+              </a:spcAft>
+              <a:buFont typeface="Arial" pitchFamily="34" charset="0"/>
+              <a:buChar char="•"/>
+            </a:pPr>
+            <a:r>
+              <a:rPr lang="en-US" sz="1400" dirty="0" smtClean="0"/>
+              <a:t> </a:t>
+            </a:r>
+            <a:r>
+              <a:rPr lang="en-US" sz="1400" dirty="0" err="1" smtClean="0"/>
+              <a:t>git</a:t>
+            </a:r>
+            <a:r>
+              <a:rPr lang="en-US" sz="1400" dirty="0" smtClean="0"/>
+              <a:t> add README.md</a:t>
+            </a:r>
+          </a:p>
+          <a:p>
+            <a:pPr lvl="1" fontAlgn="base">
+              <a:spcBef>
+                <a:spcPct val="0"/>
+              </a:spcBef>
+              <a:spcAft>
+                <a:spcPct val="0"/>
+              </a:spcAft>
+              <a:buFont typeface="Arial" pitchFamily="34" charset="0"/>
+              <a:buChar char="•"/>
+            </a:pPr>
+            <a:r>
+              <a:rPr lang="en-US" sz="1400" dirty="0" smtClean="0"/>
+              <a:t> </a:t>
+            </a:r>
+            <a:r>
+              <a:rPr lang="en-US" sz="1400" dirty="0" err="1" smtClean="0"/>
+              <a:t>git</a:t>
+            </a:r>
+            <a:r>
+              <a:rPr lang="en-US" sz="1400" dirty="0" smtClean="0"/>
+              <a:t> commit –m “first commit”</a:t>
+            </a:r>
+            <a:endParaRPr lang="en-US" sz="1400" dirty="0" smtClean="0"/>
+          </a:p>
+          <a:p>
+            <a:pPr lvl="0" fontAlgn="base">
+              <a:spcBef>
+                <a:spcPct val="0"/>
+              </a:spcBef>
+              <a:spcAft>
+                <a:spcPct val="0"/>
+              </a:spcAft>
+            </a:pPr>
+            <a:endParaRPr lang="en-US" sz="1400" dirty="0" smtClean="0"/>
+          </a:p>
+          <a:p>
+            <a:pPr lvl="0" fontAlgn="base">
+              <a:spcBef>
+                <a:spcPct val="0"/>
+              </a:spcBef>
+              <a:spcAft>
+                <a:spcPct val="0"/>
+              </a:spcAft>
+            </a:pPr>
+            <a:r>
+              <a:rPr lang="en-US" sz="1400" dirty="0" smtClean="0"/>
+              <a:t>Connect local repository to </a:t>
+            </a:r>
+            <a:r>
+              <a:rPr lang="en-US" sz="1400" dirty="0" err="1" smtClean="0"/>
+              <a:t>GitHub</a:t>
+            </a:r>
+            <a:r>
+              <a:rPr lang="en-US" sz="1400" dirty="0" smtClean="0"/>
+              <a:t> repository</a:t>
+            </a:r>
+          </a:p>
+          <a:p>
+            <a:pPr lvl="0" fontAlgn="base">
+              <a:spcBef>
+                <a:spcPct val="0"/>
+              </a:spcBef>
+              <a:spcAft>
+                <a:spcPct val="0"/>
+              </a:spcAft>
+            </a:pPr>
+            <a:r>
+              <a:rPr lang="en-US" sz="1400" dirty="0" smtClean="0"/>
+              <a:t>	</a:t>
+            </a:r>
+            <a:r>
+              <a:rPr lang="en-US" sz="1400" dirty="0" err="1" smtClean="0"/>
+              <a:t>git</a:t>
+            </a:r>
+            <a:r>
+              <a:rPr lang="en-US" sz="1400" dirty="0" smtClean="0"/>
+              <a:t> remote add origin </a:t>
+            </a:r>
+            <a:r>
+              <a:rPr lang="en-US" sz="1400" dirty="0" smtClean="0">
+                <a:hlinkClick r:id="rId2"/>
+              </a:rPr>
+              <a:t>https://</a:t>
+            </a:r>
+            <a:r>
+              <a:rPr lang="en-US" sz="1400" dirty="0" smtClean="0">
+                <a:hlinkClick r:id="rId2"/>
+              </a:rPr>
+              <a:t>github.com/tycobass/learning_journal.git</a:t>
+            </a:r>
+            <a:endParaRPr lang="en-US" sz="1400" dirty="0" smtClean="0"/>
+          </a:p>
+          <a:p>
+            <a:pPr lvl="0" fontAlgn="base">
+              <a:spcBef>
+                <a:spcPct val="0"/>
+              </a:spcBef>
+              <a:spcAft>
+                <a:spcPct val="0"/>
+              </a:spcAft>
+            </a:pPr>
+            <a:r>
+              <a:rPr lang="en-US" sz="1400" dirty="0" smtClean="0"/>
+              <a:t>	</a:t>
+            </a:r>
+            <a:r>
+              <a:rPr lang="en-US" sz="1400" dirty="0" err="1" smtClean="0"/>
+              <a:t>git</a:t>
+            </a:r>
+            <a:r>
+              <a:rPr lang="en-US" sz="1400" dirty="0" smtClean="0"/>
+              <a:t> pull origin master</a:t>
+            </a:r>
+          </a:p>
+          <a:p>
+            <a:pPr lvl="0" fontAlgn="base">
+              <a:spcBef>
+                <a:spcPct val="0"/>
+              </a:spcBef>
+              <a:spcAft>
+                <a:spcPct val="0"/>
+              </a:spcAft>
+            </a:pPr>
+            <a:r>
+              <a:rPr lang="en-US" sz="1400" dirty="0" smtClean="0"/>
+              <a:t>	</a:t>
+            </a:r>
+            <a:r>
+              <a:rPr lang="en-US" sz="1400" dirty="0" err="1" smtClean="0"/>
+              <a:t>git</a:t>
+            </a:r>
+            <a:r>
+              <a:rPr lang="en-US" sz="1400" dirty="0" smtClean="0"/>
+              <a:t> push –u origin master</a:t>
+            </a:r>
+            <a:endParaRPr lang="en-US" sz="1400" dirty="0" smtClean="0"/>
           </a:p>
         </p:txBody>
       </p:sp>

--- a/students/eric_v/debris/Using_git.pptx
+++ b/students/eric_v/debris/Using_git.pptx
@@ -20,6 +20,9 @@
     <p:sldId id="273" r:id="rId14"/>
     <p:sldId id="274" r:id="rId15"/>
     <p:sldId id="275" r:id="rId16"/>
+    <p:sldId id="276" r:id="rId17"/>
+    <p:sldId id="277" r:id="rId18"/>
+    <p:sldId id="278" r:id="rId19"/>
   </p:sldIdLst>
   <p:sldSz cx="9144000" cy="6858000" type="screen4x3"/>
   <p:notesSz cx="6934200" cy="9220200"/>
@@ -303,7 +306,7 @@
             <a:fld id="{3159C66E-6022-41FD-AC9F-85F12CCF35E0}" type="datetimeFigureOut">
               <a:rPr lang="en-US" smtClean="0"/>
               <a:pPr/>
-              <a:t>2/3/2016</a:t>
+              <a:t>2/8/2016</a:t>
             </a:fld>
             <a:endParaRPr lang="en-US"/>
           </a:p>
@@ -470,7 +473,7 @@
             <a:fld id="{3159C66E-6022-41FD-AC9F-85F12CCF35E0}" type="datetimeFigureOut">
               <a:rPr lang="en-US" smtClean="0"/>
               <a:pPr/>
-              <a:t>2/3/2016</a:t>
+              <a:t>2/8/2016</a:t>
             </a:fld>
             <a:endParaRPr lang="en-US"/>
           </a:p>
@@ -647,7 +650,7 @@
             <a:fld id="{3159C66E-6022-41FD-AC9F-85F12CCF35E0}" type="datetimeFigureOut">
               <a:rPr lang="en-US" smtClean="0"/>
               <a:pPr/>
-              <a:t>2/3/2016</a:t>
+              <a:t>2/8/2016</a:t>
             </a:fld>
             <a:endParaRPr lang="en-US"/>
           </a:p>
@@ -814,7 +817,7 @@
             <a:fld id="{3159C66E-6022-41FD-AC9F-85F12CCF35E0}" type="datetimeFigureOut">
               <a:rPr lang="en-US" smtClean="0"/>
               <a:pPr/>
-              <a:t>2/3/2016</a:t>
+              <a:t>2/8/2016</a:t>
             </a:fld>
             <a:endParaRPr lang="en-US"/>
           </a:p>
@@ -1057,7 +1060,7 @@
             <a:fld id="{3159C66E-6022-41FD-AC9F-85F12CCF35E0}" type="datetimeFigureOut">
               <a:rPr lang="en-US" smtClean="0"/>
               <a:pPr/>
-              <a:t>2/3/2016</a:t>
+              <a:t>2/8/2016</a:t>
             </a:fld>
             <a:endParaRPr lang="en-US"/>
           </a:p>
@@ -1342,7 +1345,7 @@
             <a:fld id="{3159C66E-6022-41FD-AC9F-85F12CCF35E0}" type="datetimeFigureOut">
               <a:rPr lang="en-US" smtClean="0"/>
               <a:pPr/>
-              <a:t>2/3/2016</a:t>
+              <a:t>2/8/2016</a:t>
             </a:fld>
             <a:endParaRPr lang="en-US"/>
           </a:p>
@@ -1761,7 +1764,7 @@
             <a:fld id="{3159C66E-6022-41FD-AC9F-85F12CCF35E0}" type="datetimeFigureOut">
               <a:rPr lang="en-US" smtClean="0"/>
               <a:pPr/>
-              <a:t>2/3/2016</a:t>
+              <a:t>2/8/2016</a:t>
             </a:fld>
             <a:endParaRPr lang="en-US"/>
           </a:p>
@@ -1876,7 +1879,7 @@
             <a:fld id="{3159C66E-6022-41FD-AC9F-85F12CCF35E0}" type="datetimeFigureOut">
               <a:rPr lang="en-US" smtClean="0"/>
               <a:pPr/>
-              <a:t>2/3/2016</a:t>
+              <a:t>2/8/2016</a:t>
             </a:fld>
             <a:endParaRPr lang="en-US"/>
           </a:p>
@@ -1968,7 +1971,7 @@
             <a:fld id="{3159C66E-6022-41FD-AC9F-85F12CCF35E0}" type="datetimeFigureOut">
               <a:rPr lang="en-US" smtClean="0"/>
               <a:pPr/>
-              <a:t>2/3/2016</a:t>
+              <a:t>2/8/2016</a:t>
             </a:fld>
             <a:endParaRPr lang="en-US"/>
           </a:p>
@@ -2242,7 +2245,7 @@
             <a:fld id="{3159C66E-6022-41FD-AC9F-85F12CCF35E0}" type="datetimeFigureOut">
               <a:rPr lang="en-US" smtClean="0"/>
               <a:pPr/>
-              <a:t>2/3/2016</a:t>
+              <a:t>2/8/2016</a:t>
             </a:fld>
             <a:endParaRPr lang="en-US"/>
           </a:p>
@@ -2492,7 +2495,7 @@
             <a:fld id="{3159C66E-6022-41FD-AC9F-85F12CCF35E0}" type="datetimeFigureOut">
               <a:rPr lang="en-US" smtClean="0"/>
               <a:pPr/>
-              <a:t>2/3/2016</a:t>
+              <a:t>2/8/2016</a:t>
             </a:fld>
             <a:endParaRPr lang="en-US"/>
           </a:p>
@@ -2702,7 +2705,7 @@
             <a:fld id="{3159C66E-6022-41FD-AC9F-85F12CCF35E0}" type="datetimeFigureOut">
               <a:rPr lang="en-US" smtClean="0"/>
               <a:pPr/>
-              <a:t>2/3/2016</a:t>
+              <a:t>2/8/2016</a:t>
             </a:fld>
             <a:endParaRPr lang="en-US"/>
           </a:p>
@@ -6885,8 +6888,8 @@
         </p:nvSpPr>
         <p:spPr>
           <a:xfrm>
-            <a:off x="3581400" y="0"/>
-            <a:ext cx="2071080" cy="461665"/>
+            <a:off x="2743200" y="0"/>
+            <a:ext cx="3051413" cy="461665"/>
           </a:xfrm>
           <a:prstGeom prst="rect">
             <a:avLst/>
@@ -6901,8 +6904,9 @@
           <a:p>
             <a:r>
               <a:rPr lang="en-US" sz="2400" dirty="0" smtClean="0"/>
-              <a:t>Merge strategy</a:t>
-            </a:r>
+              <a:t>Create New Repository</a:t>
+            </a:r>
+            <a:endParaRPr lang="en-US" sz="2400" dirty="0" smtClean="0"/>
           </a:p>
         </p:txBody>
       </p:sp>
@@ -7077,11 +7081,7 @@
             </a:pPr>
             <a:r>
               <a:rPr lang="en-US" sz="1400" dirty="0" smtClean="0"/>
-              <a:t> </a:t>
-            </a:r>
-            <a:r>
-              <a:rPr lang="en-US" sz="1400" dirty="0" smtClean="0"/>
-              <a:t>add desired files</a:t>
+              <a:t> add desired files</a:t>
             </a:r>
           </a:p>
           <a:p>
@@ -7121,11 +7121,7 @@
             </a:pPr>
             <a:r>
               <a:rPr lang="en-US" sz="1400" dirty="0" smtClean="0"/>
-              <a:t> </a:t>
-            </a:r>
-            <a:r>
-              <a:rPr lang="en-US" sz="1400" dirty="0" smtClean="0"/>
-              <a:t>commit file</a:t>
+              <a:t> commit file</a:t>
             </a:r>
           </a:p>
           <a:p>
@@ -7174,11 +7170,7 @@
             </a:pPr>
             <a:r>
               <a:rPr lang="en-US" sz="1400" dirty="0" smtClean="0"/>
-              <a:t> </a:t>
-            </a:r>
-            <a:r>
-              <a:rPr lang="en-US" sz="1400" dirty="0" smtClean="0"/>
-              <a:t>touch README.md</a:t>
+              <a:t> touch README.md</a:t>
             </a:r>
           </a:p>
           <a:p>
@@ -7252,7 +7244,6 @@
               <a:rPr lang="en-US" sz="1400" dirty="0" smtClean="0"/>
               <a:t> commit –m “first commit”</a:t>
             </a:r>
-            <a:endParaRPr lang="en-US" sz="1400" dirty="0" smtClean="0"/>
           </a:p>
           <a:p>
             <a:pPr lvl="0" fontAlgn="base">
@@ -7312,13 +7303,7 @@
               <a:rPr lang="en-US" sz="1400" dirty="0" smtClean="0">
                 <a:hlinkClick r:id="rId2"/>
               </a:rPr>
-              <a:t>https://</a:t>
-            </a:r>
-            <a:r>
-              <a:rPr lang="en-US" sz="1400" dirty="0" smtClean="0">
-                <a:hlinkClick r:id="rId2"/>
-              </a:rPr>
-              <a:t>github.com/tycobass/learning_journal.git</a:t>
+              <a:t>https://github.com/tycobass/learning_journal.git</a:t>
             </a:r>
             <a:endParaRPr lang="en-US" sz="1400" dirty="0" smtClean="0"/>
           </a:p>
@@ -7365,6 +7350,1082 @@
               <a:rPr lang="en-US" sz="1400" dirty="0" smtClean="0"/>
               <a:t> push –u origin master</a:t>
             </a:r>
+          </a:p>
+        </p:txBody>
+      </p:sp>
+    </p:spTree>
+  </p:cSld>
+  <p:clrMapOvr>
+    <a:masterClrMapping/>
+  </p:clrMapOvr>
+  <p:timing>
+    <p:tnLst>
+      <p:par>
+        <p:cTn id="1" dur="indefinite" restart="never" nodeType="tmRoot"/>
+      </p:par>
+    </p:tnLst>
+  </p:timing>
+</p:sld>
+</file>
+
+<file path=ppt/slides/slide16.xml><?xml version="1.0" encoding="utf-8"?>
+<p:sld xmlns:a="http://schemas.openxmlformats.org/drawingml/2006/main" xmlns:r="http://schemas.openxmlformats.org/officeDocument/2006/relationships" xmlns:p="http://schemas.openxmlformats.org/presentationml/2006/main">
+  <p:cSld>
+    <p:spTree>
+      <p:nvGrpSpPr>
+        <p:cNvPr id="1" name=""/>
+        <p:cNvGrpSpPr/>
+        <p:nvPr/>
+      </p:nvGrpSpPr>
+      <p:grpSpPr>
+        <a:xfrm>
+          <a:off x="0" y="0"/>
+          <a:ext cx="0" cy="0"/>
+          <a:chOff x="0" y="0"/>
+          <a:chExt cx="0" cy="0"/>
+        </a:xfrm>
+      </p:grpSpPr>
+      <p:sp>
+        <p:nvSpPr>
+          <p:cNvPr id="21" name="TextBox 20"/>
+          <p:cNvSpPr txBox="1"/>
+          <p:nvPr/>
+        </p:nvSpPr>
+        <p:spPr>
+          <a:xfrm>
+            <a:off x="3581400" y="0"/>
+            <a:ext cx="1430328" cy="461665"/>
+          </a:xfrm>
+          <a:prstGeom prst="rect">
+            <a:avLst/>
+          </a:prstGeom>
+          <a:noFill/>
+        </p:spPr>
+        <p:txBody>
+          <a:bodyPr wrap="none" rtlCol="0">
+            <a:spAutoFit/>
+          </a:bodyPr>
+          <a:lstStyle/>
+          <a:p>
+            <a:r>
+              <a:rPr lang="en-US" sz="2400" dirty="0" smtClean="0"/>
+              <a:t>Branching</a:t>
+            </a:r>
+            <a:endParaRPr lang="en-US" sz="2400" dirty="0" smtClean="0"/>
+          </a:p>
+        </p:txBody>
+      </p:sp>
+      <p:sp>
+        <p:nvSpPr>
+          <p:cNvPr id="3081" name="Rectangle 9"/>
+          <p:cNvSpPr>
+            <a:spLocks noChangeArrowheads="1"/>
+          </p:cNvSpPr>
+          <p:nvPr/>
+        </p:nvSpPr>
+        <p:spPr bwMode="auto">
+          <a:xfrm>
+            <a:off x="457200" y="990600"/>
+            <a:ext cx="7696200" cy="615553"/>
+          </a:xfrm>
+          <a:prstGeom prst="rect">
+            <a:avLst/>
+          </a:prstGeom>
+          <a:noFill/>
+          <a:ln w="9525">
+            <a:noFill/>
+            <a:miter lim="800000"/>
+            <a:headEnd/>
+            <a:tailEnd/>
+          </a:ln>
+          <a:effectLst/>
+        </p:spPr>
+        <p:txBody>
+          <a:bodyPr vert="horz" wrap="square" lIns="91440" tIns="45720" rIns="91440" bIns="45720" numCol="1" anchor="ctr" anchorCtr="0" compatLnSpc="1">
+            <a:prstTxWarp prst="textNoShape">
+              <a:avLst/>
+            </a:prstTxWarp>
+            <a:spAutoFit/>
+          </a:bodyPr>
+          <a:lstStyle/>
+          <a:p>
+            <a:pPr lvl="0" fontAlgn="base">
+              <a:spcBef>
+                <a:spcPct val="0"/>
+              </a:spcBef>
+              <a:spcAft>
+                <a:spcPct val="0"/>
+              </a:spcAft>
+            </a:pPr>
+            <a:r>
+              <a:rPr lang="en-US" sz="1400" b="1" dirty="0" smtClean="0"/>
+              <a:t>Branching</a:t>
+            </a:r>
+            <a:endParaRPr lang="en-US" sz="1400" b="1" dirty="0" smtClean="0"/>
+          </a:p>
+          <a:p>
+            <a:pPr lvl="0" fontAlgn="base">
+              <a:spcBef>
+                <a:spcPct val="0"/>
+              </a:spcBef>
+              <a:spcAft>
+                <a:spcPct val="0"/>
+              </a:spcAft>
+            </a:pPr>
+            <a:endParaRPr lang="en-US" sz="1000" dirty="0" smtClean="0"/>
+          </a:p>
+          <a:p>
+            <a:pPr lvl="0" fontAlgn="base">
+              <a:spcBef>
+                <a:spcPct val="0"/>
+              </a:spcBef>
+              <a:spcAft>
+                <a:spcPct val="0"/>
+              </a:spcAft>
+            </a:pPr>
+            <a:r>
+              <a:rPr lang="en-US" sz="1000" dirty="0" smtClean="0"/>
+              <a:t>https://www.atlassian.com/git/tutorials/using-branches/git-branch</a:t>
+            </a:r>
+            <a:endParaRPr kumimoji="0" lang="en-US" sz="1800" b="0" i="0" u="none" strike="noStrike" cap="none" normalizeH="0" baseline="0" dirty="0" smtClean="0">
+              <a:ln>
+                <a:noFill/>
+              </a:ln>
+              <a:solidFill>
+                <a:schemeClr val="tx1"/>
+              </a:solidFill>
+              <a:effectLst/>
+              <a:latin typeface="Arial" pitchFamily="34" charset="0"/>
+              <a:cs typeface="Arial" pitchFamily="34" charset="0"/>
+            </a:endParaRPr>
+          </a:p>
+        </p:txBody>
+      </p:sp>
+      <p:sp>
+        <p:nvSpPr>
+          <p:cNvPr id="5" name="Rectangle 9"/>
+          <p:cNvSpPr>
+            <a:spLocks noChangeArrowheads="1"/>
+          </p:cNvSpPr>
+          <p:nvPr/>
+        </p:nvSpPr>
+        <p:spPr bwMode="auto">
+          <a:xfrm>
+            <a:off x="457200" y="1815405"/>
+            <a:ext cx="7696200" cy="2523768"/>
+          </a:xfrm>
+          <a:prstGeom prst="rect">
+            <a:avLst/>
+          </a:prstGeom>
+          <a:noFill/>
+          <a:ln w="9525">
+            <a:noFill/>
+            <a:miter lim="800000"/>
+            <a:headEnd/>
+            <a:tailEnd/>
+          </a:ln>
+          <a:effectLst/>
+        </p:spPr>
+        <p:txBody>
+          <a:bodyPr vert="horz" wrap="square" lIns="91440" tIns="45720" rIns="91440" bIns="45720" numCol="1" anchor="ctr" anchorCtr="0" compatLnSpc="1">
+            <a:prstTxWarp prst="textNoShape">
+              <a:avLst/>
+            </a:prstTxWarp>
+            <a:spAutoFit/>
+          </a:bodyPr>
+          <a:lstStyle/>
+          <a:p>
+            <a:r>
+              <a:rPr lang="en-US" sz="1400" b="1" dirty="0" smtClean="0"/>
+              <a:t>Usage (create, rename, delete)</a:t>
+            </a:r>
+            <a:endParaRPr lang="en-US" sz="1400" b="1" dirty="0" smtClean="0"/>
+          </a:p>
+          <a:p>
+            <a:r>
+              <a:rPr lang="en-US" sz="1400" dirty="0" smtClean="0"/>
+              <a:t>&gt;&gt; </a:t>
+            </a:r>
+            <a:r>
+              <a:rPr lang="en-US" sz="1400" dirty="0" err="1" smtClean="0"/>
+              <a:t>git</a:t>
+            </a:r>
+            <a:r>
+              <a:rPr lang="en-US" sz="1400" dirty="0" smtClean="0"/>
+              <a:t> branch - List all </a:t>
+            </a:r>
+            <a:r>
+              <a:rPr lang="en-US" sz="1400" dirty="0" smtClean="0"/>
+              <a:t>of the branches in your repository.</a:t>
+            </a:r>
+          </a:p>
+          <a:p>
+            <a:r>
+              <a:rPr lang="en-US" sz="1400" dirty="0" smtClean="0"/>
+              <a:t>&gt;&gt; </a:t>
+            </a:r>
+            <a:r>
+              <a:rPr lang="en-US" sz="1400" dirty="0" err="1" smtClean="0"/>
+              <a:t>git</a:t>
+            </a:r>
+            <a:r>
+              <a:rPr lang="en-US" sz="1400" dirty="0" smtClean="0"/>
+              <a:t> </a:t>
+            </a:r>
+            <a:r>
+              <a:rPr lang="en-US" sz="1400" dirty="0" smtClean="0"/>
+              <a:t>branch &lt;branch</a:t>
+            </a:r>
+            <a:r>
+              <a:rPr lang="en-US" sz="1400" dirty="0" smtClean="0"/>
+              <a:t>&gt;  - Create </a:t>
+            </a:r>
+            <a:r>
+              <a:rPr lang="en-US" sz="1400" dirty="0" smtClean="0"/>
+              <a:t>a new branch called &lt;branch&gt;. This does </a:t>
+            </a:r>
+            <a:r>
+              <a:rPr lang="en-US" sz="1400" i="1" dirty="0" smtClean="0"/>
+              <a:t>not</a:t>
+            </a:r>
+            <a:r>
+              <a:rPr lang="en-US" sz="1400" dirty="0" smtClean="0"/>
+              <a:t> check out the new branch.</a:t>
+            </a:r>
+          </a:p>
+          <a:p>
+            <a:r>
+              <a:rPr lang="en-US" sz="1400" dirty="0" smtClean="0"/>
+              <a:t>&gt;&gt; </a:t>
+            </a:r>
+            <a:r>
+              <a:rPr lang="en-US" sz="1400" dirty="0" err="1" smtClean="0"/>
+              <a:t>git</a:t>
+            </a:r>
+            <a:r>
+              <a:rPr lang="en-US" sz="1400" dirty="0" smtClean="0"/>
+              <a:t> </a:t>
+            </a:r>
+            <a:r>
+              <a:rPr lang="en-US" sz="1400" dirty="0" smtClean="0"/>
+              <a:t>branch -d &lt;branch</a:t>
+            </a:r>
+            <a:r>
+              <a:rPr lang="en-US" sz="1400" dirty="0" smtClean="0"/>
+              <a:t>&gt;  - Delete </a:t>
+            </a:r>
+            <a:r>
+              <a:rPr lang="en-US" sz="1400" dirty="0" smtClean="0"/>
+              <a:t>the specified branch. This is a “safe” operation in that </a:t>
+            </a:r>
+            <a:r>
+              <a:rPr lang="en-US" sz="1400" dirty="0" err="1" smtClean="0"/>
+              <a:t>Git</a:t>
+            </a:r>
+            <a:r>
+              <a:rPr lang="en-US" sz="1400" dirty="0" smtClean="0"/>
+              <a:t> prevents </a:t>
+            </a:r>
+            <a:r>
+              <a:rPr lang="en-US" sz="1400" dirty="0" smtClean="0"/>
+              <a:t>		        you </a:t>
+            </a:r>
+            <a:r>
+              <a:rPr lang="en-US" sz="1400" dirty="0" smtClean="0"/>
+              <a:t>from deleting the branch if it has unmerged changes</a:t>
+            </a:r>
+            <a:r>
+              <a:rPr lang="en-US" sz="1400" dirty="0" smtClean="0"/>
+              <a:t>.</a:t>
+            </a:r>
+          </a:p>
+          <a:p>
+            <a:r>
+              <a:rPr lang="en-US" sz="1400" dirty="0" smtClean="0"/>
+              <a:t>&gt;&gt; </a:t>
+            </a:r>
+            <a:r>
+              <a:rPr lang="en-US" sz="1400" dirty="0" err="1" smtClean="0"/>
+              <a:t>git</a:t>
+            </a:r>
+            <a:r>
+              <a:rPr lang="en-US" sz="1400" dirty="0" smtClean="0"/>
+              <a:t> </a:t>
+            </a:r>
+            <a:r>
+              <a:rPr lang="en-US" sz="1400" dirty="0" smtClean="0"/>
+              <a:t>branch -D &lt;branch</a:t>
+            </a:r>
+            <a:r>
+              <a:rPr lang="en-US" sz="1400" dirty="0" smtClean="0"/>
+              <a:t>&gt;  - Force </a:t>
+            </a:r>
+            <a:r>
+              <a:rPr lang="en-US" sz="1400" dirty="0" smtClean="0"/>
+              <a:t>delete the specified branch, even if it has unmerged changes. This is </a:t>
+            </a:r>
+            <a:r>
+              <a:rPr lang="en-US" sz="1400" dirty="0" smtClean="0"/>
+              <a:t>		       the </a:t>
+            </a:r>
+            <a:r>
+              <a:rPr lang="en-US" sz="1400" dirty="0" smtClean="0"/>
+              <a:t>command to use if you want to permanently throw away all of the </a:t>
+            </a:r>
+            <a:r>
+              <a:rPr lang="en-US" sz="1400" dirty="0" smtClean="0"/>
+              <a:t>			       commits </a:t>
+            </a:r>
+            <a:r>
+              <a:rPr lang="en-US" sz="1400" dirty="0" smtClean="0"/>
+              <a:t>associated with a particular line of development.</a:t>
+            </a:r>
+          </a:p>
+          <a:p>
+            <a:r>
+              <a:rPr lang="en-US" sz="1400" dirty="0" smtClean="0"/>
+              <a:t>&gt;&gt; </a:t>
+            </a:r>
+            <a:r>
+              <a:rPr lang="en-US" sz="1400" dirty="0" err="1" smtClean="0"/>
+              <a:t>git</a:t>
+            </a:r>
+            <a:r>
+              <a:rPr lang="en-US" sz="1400" dirty="0" smtClean="0"/>
+              <a:t> </a:t>
+            </a:r>
+            <a:r>
+              <a:rPr lang="en-US" sz="1400" dirty="0" smtClean="0"/>
+              <a:t>branch -m &lt;branch</a:t>
+            </a:r>
+            <a:r>
+              <a:rPr lang="en-US" sz="1400" dirty="0" smtClean="0"/>
+              <a:t>&gt;  - Rename </a:t>
+            </a:r>
+            <a:r>
+              <a:rPr lang="en-US" sz="1400" dirty="0" smtClean="0"/>
+              <a:t>the current branch to &lt;branch&gt;.</a:t>
+            </a:r>
+          </a:p>
+          <a:p>
+            <a:endParaRPr lang="en-US" sz="1400" dirty="0" smtClean="0"/>
+          </a:p>
+          <a:p>
+            <a:pPr lvl="0" fontAlgn="base">
+              <a:spcBef>
+                <a:spcPct val="0"/>
+              </a:spcBef>
+              <a:spcAft>
+                <a:spcPct val="0"/>
+              </a:spcAft>
+            </a:pPr>
+            <a:endParaRPr lang="en-US" sz="1400" dirty="0" smtClean="0"/>
+          </a:p>
+        </p:txBody>
+      </p:sp>
+    </p:spTree>
+  </p:cSld>
+  <p:clrMapOvr>
+    <a:masterClrMapping/>
+  </p:clrMapOvr>
+  <p:timing>
+    <p:tnLst>
+      <p:par>
+        <p:cTn id="1" dur="indefinite" restart="never" nodeType="tmRoot"/>
+      </p:par>
+    </p:tnLst>
+  </p:timing>
+</p:sld>
+</file>
+
+<file path=ppt/slides/slide17.xml><?xml version="1.0" encoding="utf-8"?>
+<p:sld xmlns:a="http://schemas.openxmlformats.org/drawingml/2006/main" xmlns:r="http://schemas.openxmlformats.org/officeDocument/2006/relationships" xmlns:p="http://schemas.openxmlformats.org/presentationml/2006/main">
+  <p:cSld>
+    <p:spTree>
+      <p:nvGrpSpPr>
+        <p:cNvPr id="1" name=""/>
+        <p:cNvGrpSpPr/>
+        <p:nvPr/>
+      </p:nvGrpSpPr>
+      <p:grpSpPr>
+        <a:xfrm>
+          <a:off x="0" y="0"/>
+          <a:ext cx="0" cy="0"/>
+          <a:chOff x="0" y="0"/>
+          <a:chExt cx="0" cy="0"/>
+        </a:xfrm>
+      </p:grpSpPr>
+      <p:sp>
+        <p:nvSpPr>
+          <p:cNvPr id="21" name="TextBox 20"/>
+          <p:cNvSpPr txBox="1"/>
+          <p:nvPr/>
+        </p:nvSpPr>
+        <p:spPr>
+          <a:xfrm>
+            <a:off x="3581400" y="0"/>
+            <a:ext cx="1430328" cy="461665"/>
+          </a:xfrm>
+          <a:prstGeom prst="rect">
+            <a:avLst/>
+          </a:prstGeom>
+          <a:noFill/>
+        </p:spPr>
+        <p:txBody>
+          <a:bodyPr wrap="none" rtlCol="0">
+            <a:spAutoFit/>
+          </a:bodyPr>
+          <a:lstStyle/>
+          <a:p>
+            <a:r>
+              <a:rPr lang="en-US" sz="2400" dirty="0" smtClean="0"/>
+              <a:t>Branching</a:t>
+            </a:r>
+            <a:endParaRPr lang="en-US" sz="2400" dirty="0" smtClean="0"/>
+          </a:p>
+        </p:txBody>
+      </p:sp>
+      <p:sp>
+        <p:nvSpPr>
+          <p:cNvPr id="3081" name="Rectangle 9"/>
+          <p:cNvSpPr>
+            <a:spLocks noChangeArrowheads="1"/>
+          </p:cNvSpPr>
+          <p:nvPr/>
+        </p:nvSpPr>
+        <p:spPr bwMode="auto">
+          <a:xfrm>
+            <a:off x="457200" y="990600"/>
+            <a:ext cx="7696200" cy="615553"/>
+          </a:xfrm>
+          <a:prstGeom prst="rect">
+            <a:avLst/>
+          </a:prstGeom>
+          <a:noFill/>
+          <a:ln w="9525">
+            <a:noFill/>
+            <a:miter lim="800000"/>
+            <a:headEnd/>
+            <a:tailEnd/>
+          </a:ln>
+          <a:effectLst/>
+        </p:spPr>
+        <p:txBody>
+          <a:bodyPr vert="horz" wrap="square" lIns="91440" tIns="45720" rIns="91440" bIns="45720" numCol="1" anchor="ctr" anchorCtr="0" compatLnSpc="1">
+            <a:prstTxWarp prst="textNoShape">
+              <a:avLst/>
+            </a:prstTxWarp>
+            <a:spAutoFit/>
+          </a:bodyPr>
+          <a:lstStyle/>
+          <a:p>
+            <a:pPr lvl="0" fontAlgn="base">
+              <a:spcBef>
+                <a:spcPct val="0"/>
+              </a:spcBef>
+              <a:spcAft>
+                <a:spcPct val="0"/>
+              </a:spcAft>
+            </a:pPr>
+            <a:r>
+              <a:rPr lang="en-US" sz="1400" b="1" dirty="0" smtClean="0"/>
+              <a:t>Branching</a:t>
+            </a:r>
+            <a:endParaRPr lang="en-US" sz="1400" b="1" dirty="0" smtClean="0"/>
+          </a:p>
+          <a:p>
+            <a:pPr lvl="0" fontAlgn="base">
+              <a:spcBef>
+                <a:spcPct val="0"/>
+              </a:spcBef>
+              <a:spcAft>
+                <a:spcPct val="0"/>
+              </a:spcAft>
+            </a:pPr>
+            <a:endParaRPr lang="en-US" sz="1000" dirty="0" smtClean="0"/>
+          </a:p>
+          <a:p>
+            <a:pPr lvl="0" fontAlgn="base">
+              <a:spcBef>
+                <a:spcPct val="0"/>
+              </a:spcBef>
+              <a:spcAft>
+                <a:spcPct val="0"/>
+              </a:spcAft>
+            </a:pPr>
+            <a:r>
+              <a:rPr lang="en-US" sz="1000" dirty="0" smtClean="0"/>
+              <a:t>https://www.atlassian.com/git/tutorials/using-branches/git-branch</a:t>
+            </a:r>
+            <a:endParaRPr kumimoji="0" lang="en-US" sz="1800" b="0" i="0" u="none" strike="noStrike" cap="none" normalizeH="0" baseline="0" dirty="0" smtClean="0">
+              <a:ln>
+                <a:noFill/>
+              </a:ln>
+              <a:solidFill>
+                <a:schemeClr val="tx1"/>
+              </a:solidFill>
+              <a:effectLst/>
+              <a:latin typeface="Arial" pitchFamily="34" charset="0"/>
+              <a:cs typeface="Arial" pitchFamily="34" charset="0"/>
+            </a:endParaRPr>
+          </a:p>
+        </p:txBody>
+      </p:sp>
+      <p:sp>
+        <p:nvSpPr>
+          <p:cNvPr id="5" name="Rectangle 9"/>
+          <p:cNvSpPr>
+            <a:spLocks noChangeArrowheads="1"/>
+          </p:cNvSpPr>
+          <p:nvPr/>
+        </p:nvSpPr>
+        <p:spPr bwMode="auto">
+          <a:xfrm>
+            <a:off x="457200" y="1815405"/>
+            <a:ext cx="7696200" cy="2677656"/>
+          </a:xfrm>
+          <a:prstGeom prst="rect">
+            <a:avLst/>
+          </a:prstGeom>
+          <a:noFill/>
+          <a:ln w="9525">
+            <a:noFill/>
+            <a:miter lim="800000"/>
+            <a:headEnd/>
+            <a:tailEnd/>
+          </a:ln>
+          <a:effectLst/>
+        </p:spPr>
+        <p:txBody>
+          <a:bodyPr vert="horz" wrap="square" lIns="91440" tIns="45720" rIns="91440" bIns="45720" numCol="1" anchor="ctr" anchorCtr="0" compatLnSpc="1">
+            <a:prstTxWarp prst="textNoShape">
+              <a:avLst/>
+            </a:prstTxWarp>
+            <a:spAutoFit/>
+          </a:bodyPr>
+          <a:lstStyle/>
+          <a:p>
+            <a:r>
+              <a:rPr lang="en-US" sz="1400" b="1" dirty="0" smtClean="0"/>
+              <a:t>Usage (checkout)</a:t>
+            </a:r>
+            <a:endParaRPr lang="en-US" sz="1400" b="1" dirty="0" smtClean="0"/>
+          </a:p>
+          <a:p>
+            <a:r>
+              <a:rPr lang="en-US" sz="1400" dirty="0" smtClean="0"/>
+              <a:t>&gt;&gt; </a:t>
+            </a:r>
+            <a:r>
+              <a:rPr lang="en-US" sz="1400" dirty="0" err="1" smtClean="0"/>
+              <a:t>git</a:t>
+            </a:r>
+            <a:r>
+              <a:rPr lang="en-US" sz="1400" dirty="0" smtClean="0"/>
+              <a:t> </a:t>
+            </a:r>
+            <a:r>
+              <a:rPr lang="en-US" sz="1400" dirty="0" smtClean="0"/>
+              <a:t>checkout &lt;existing-branch</a:t>
+            </a:r>
+            <a:r>
+              <a:rPr lang="en-US" sz="1400" dirty="0" smtClean="0"/>
+              <a:t>&gt;  - Check </a:t>
+            </a:r>
+            <a:r>
+              <a:rPr lang="en-US" sz="1400" dirty="0" smtClean="0"/>
+              <a:t>out the specified branch, which should have already been </a:t>
+            </a:r>
+            <a:r>
+              <a:rPr lang="en-US" sz="1400" dirty="0" smtClean="0"/>
+              <a:t>				created </a:t>
+            </a:r>
+            <a:r>
+              <a:rPr lang="en-US" sz="1400" dirty="0" smtClean="0"/>
+              <a:t>with </a:t>
+            </a:r>
+            <a:r>
+              <a:rPr lang="en-US" sz="1400" dirty="0" err="1" smtClean="0"/>
+              <a:t>git</a:t>
+            </a:r>
+            <a:r>
+              <a:rPr lang="en-US" sz="1400" dirty="0" smtClean="0"/>
+              <a:t> branch. This makes &lt;existing-branch&gt; the current </a:t>
+            </a:r>
+            <a:r>
+              <a:rPr lang="en-US" sz="1400" dirty="0" smtClean="0"/>
+              <a:t>			branch</a:t>
+            </a:r>
+            <a:r>
+              <a:rPr lang="en-US" sz="1400" dirty="0" smtClean="0"/>
+              <a:t>, and updates the working directory to match.</a:t>
+            </a:r>
+          </a:p>
+          <a:p>
+            <a:r>
+              <a:rPr lang="en-US" sz="1400" dirty="0" smtClean="0"/>
+              <a:t>&gt;&gt; </a:t>
+            </a:r>
+            <a:r>
+              <a:rPr lang="en-US" sz="1400" dirty="0" err="1" smtClean="0"/>
+              <a:t>git</a:t>
+            </a:r>
+            <a:r>
+              <a:rPr lang="en-US" sz="1400" dirty="0" smtClean="0"/>
+              <a:t> </a:t>
+            </a:r>
+            <a:r>
+              <a:rPr lang="en-US" sz="1400" dirty="0" smtClean="0"/>
+              <a:t>checkout -b &lt;new-branch</a:t>
+            </a:r>
+            <a:r>
+              <a:rPr lang="en-US" sz="1400" dirty="0" smtClean="0"/>
+              <a:t>&gt;  - Create </a:t>
+            </a:r>
+            <a:r>
+              <a:rPr lang="en-US" sz="1400" dirty="0" smtClean="0"/>
+              <a:t>and check out &lt;new-branch&gt;. The -b option is a convenience </a:t>
+            </a:r>
+            <a:r>
+              <a:rPr lang="en-US" sz="1400" dirty="0" smtClean="0"/>
+              <a:t>			flag </a:t>
+            </a:r>
+            <a:r>
+              <a:rPr lang="en-US" sz="1400" dirty="0" smtClean="0"/>
+              <a:t>that tells </a:t>
+            </a:r>
+            <a:r>
+              <a:rPr lang="en-US" sz="1400" dirty="0" err="1" smtClean="0"/>
+              <a:t>Git</a:t>
+            </a:r>
+            <a:r>
+              <a:rPr lang="en-US" sz="1400" dirty="0" smtClean="0"/>
+              <a:t> to run </a:t>
+            </a:r>
+            <a:r>
+              <a:rPr lang="en-US" sz="1400" dirty="0" err="1" smtClean="0"/>
+              <a:t>git</a:t>
+            </a:r>
+            <a:r>
+              <a:rPr lang="en-US" sz="1400" dirty="0" smtClean="0"/>
+              <a:t> branch &lt;new-branch&gt; before running </a:t>
+            </a:r>
+            <a:r>
+              <a:rPr lang="en-US" sz="1400" dirty="0" smtClean="0"/>
+              <a:t>			&gt;&gt; </a:t>
+            </a:r>
+            <a:r>
+              <a:rPr lang="en-US" sz="1400" dirty="0" err="1" smtClean="0"/>
+              <a:t>git</a:t>
+            </a:r>
+            <a:r>
+              <a:rPr lang="en-US" sz="1400" dirty="0" smtClean="0"/>
+              <a:t> </a:t>
+            </a:r>
+            <a:r>
+              <a:rPr lang="en-US" sz="1400" dirty="0" smtClean="0"/>
+              <a:t>checkout &lt;new-branch&gt;. </a:t>
+            </a:r>
+          </a:p>
+          <a:p>
+            <a:r>
+              <a:rPr lang="en-US" sz="1400" dirty="0" smtClean="0"/>
+              <a:t>			&gt;&gt; </a:t>
+            </a:r>
+            <a:r>
+              <a:rPr lang="en-US" sz="1400" dirty="0" err="1" smtClean="0"/>
+              <a:t>git</a:t>
+            </a:r>
+            <a:r>
+              <a:rPr lang="en-US" sz="1400" dirty="0" smtClean="0"/>
+              <a:t> </a:t>
+            </a:r>
+            <a:r>
+              <a:rPr lang="en-US" sz="1400" dirty="0" smtClean="0"/>
+              <a:t>checkout -b &lt;new-branch&gt; &lt;</a:t>
+            </a:r>
+            <a:r>
+              <a:rPr lang="en-US" sz="1400" dirty="0" smtClean="0"/>
+              <a:t>existing-branch&gt; </a:t>
+            </a:r>
+          </a:p>
+          <a:p>
+            <a:r>
+              <a:rPr lang="en-US" sz="1400" dirty="0" smtClean="0"/>
+              <a:t>	</a:t>
+            </a:r>
+            <a:r>
+              <a:rPr lang="en-US" sz="1400" dirty="0" smtClean="0"/>
+              <a:t>		Same </a:t>
+            </a:r>
+            <a:r>
+              <a:rPr lang="en-US" sz="1400" dirty="0" smtClean="0"/>
+              <a:t>as the above invocation, but base the new </a:t>
+            </a:r>
+            <a:r>
+              <a:rPr lang="en-US" sz="1400" dirty="0" smtClean="0"/>
+              <a:t>branch </a:t>
+            </a:r>
+            <a:r>
+              <a:rPr lang="en-US" sz="1400" dirty="0" smtClean="0"/>
+              <a:t>off of </a:t>
+            </a:r>
+            <a:r>
+              <a:rPr lang="en-US" sz="1400" dirty="0" smtClean="0"/>
+              <a:t>				&lt;</a:t>
+            </a:r>
+            <a:r>
+              <a:rPr lang="en-US" sz="1400" dirty="0" smtClean="0"/>
+              <a:t>existing-branch&gt; instead of the </a:t>
+            </a:r>
+            <a:r>
+              <a:rPr lang="en-US" sz="1400" dirty="0" smtClean="0"/>
+              <a:t>current </a:t>
+            </a:r>
+            <a:r>
+              <a:rPr lang="en-US" sz="1400" dirty="0" smtClean="0"/>
+              <a:t>branch.</a:t>
+            </a:r>
+          </a:p>
+          <a:p>
+            <a:endParaRPr lang="en-US" sz="1400" dirty="0" smtClean="0"/>
+          </a:p>
+          <a:p>
+            <a:pPr lvl="0" fontAlgn="base">
+              <a:spcBef>
+                <a:spcPct val="0"/>
+              </a:spcBef>
+              <a:spcAft>
+                <a:spcPct val="0"/>
+              </a:spcAft>
+            </a:pPr>
+            <a:endParaRPr lang="en-US" sz="1400" dirty="0" smtClean="0"/>
+          </a:p>
+        </p:txBody>
+      </p:sp>
+    </p:spTree>
+  </p:cSld>
+  <p:clrMapOvr>
+    <a:masterClrMapping/>
+  </p:clrMapOvr>
+  <p:timing>
+    <p:tnLst>
+      <p:par>
+        <p:cTn id="1" dur="indefinite" restart="never" nodeType="tmRoot"/>
+      </p:par>
+    </p:tnLst>
+  </p:timing>
+</p:sld>
+</file>
+
+<file path=ppt/slides/slide18.xml><?xml version="1.0" encoding="utf-8"?>
+<p:sld xmlns:a="http://schemas.openxmlformats.org/drawingml/2006/main" xmlns:r="http://schemas.openxmlformats.org/officeDocument/2006/relationships" xmlns:p="http://schemas.openxmlformats.org/presentationml/2006/main">
+  <p:cSld>
+    <p:spTree>
+      <p:nvGrpSpPr>
+        <p:cNvPr id="1" name=""/>
+        <p:cNvGrpSpPr/>
+        <p:nvPr/>
+      </p:nvGrpSpPr>
+      <p:grpSpPr>
+        <a:xfrm>
+          <a:off x="0" y="0"/>
+          <a:ext cx="0" cy="0"/>
+          <a:chOff x="0" y="0"/>
+          <a:chExt cx="0" cy="0"/>
+        </a:xfrm>
+      </p:grpSpPr>
+      <p:sp>
+        <p:nvSpPr>
+          <p:cNvPr id="21" name="TextBox 20"/>
+          <p:cNvSpPr txBox="1"/>
+          <p:nvPr/>
+        </p:nvSpPr>
+        <p:spPr>
+          <a:xfrm>
+            <a:off x="3581400" y="0"/>
+            <a:ext cx="1430328" cy="461665"/>
+          </a:xfrm>
+          <a:prstGeom prst="rect">
+            <a:avLst/>
+          </a:prstGeom>
+          <a:noFill/>
+        </p:spPr>
+        <p:txBody>
+          <a:bodyPr wrap="none" rtlCol="0">
+            <a:spAutoFit/>
+          </a:bodyPr>
+          <a:lstStyle/>
+          <a:p>
+            <a:r>
+              <a:rPr lang="en-US" sz="2400" dirty="0" smtClean="0"/>
+              <a:t>Branching</a:t>
+            </a:r>
+            <a:endParaRPr lang="en-US" sz="2400" dirty="0" smtClean="0"/>
+          </a:p>
+        </p:txBody>
+      </p:sp>
+      <p:sp>
+        <p:nvSpPr>
+          <p:cNvPr id="3081" name="Rectangle 9"/>
+          <p:cNvSpPr>
+            <a:spLocks noChangeArrowheads="1"/>
+          </p:cNvSpPr>
+          <p:nvPr/>
+        </p:nvSpPr>
+        <p:spPr bwMode="auto">
+          <a:xfrm>
+            <a:off x="457200" y="990600"/>
+            <a:ext cx="7696200" cy="615553"/>
+          </a:xfrm>
+          <a:prstGeom prst="rect">
+            <a:avLst/>
+          </a:prstGeom>
+          <a:noFill/>
+          <a:ln w="9525">
+            <a:noFill/>
+            <a:miter lim="800000"/>
+            <a:headEnd/>
+            <a:tailEnd/>
+          </a:ln>
+          <a:effectLst/>
+        </p:spPr>
+        <p:txBody>
+          <a:bodyPr vert="horz" wrap="square" lIns="91440" tIns="45720" rIns="91440" bIns="45720" numCol="1" anchor="ctr" anchorCtr="0" compatLnSpc="1">
+            <a:prstTxWarp prst="textNoShape">
+              <a:avLst/>
+            </a:prstTxWarp>
+            <a:spAutoFit/>
+          </a:bodyPr>
+          <a:lstStyle/>
+          <a:p>
+            <a:pPr lvl="0" fontAlgn="base">
+              <a:spcBef>
+                <a:spcPct val="0"/>
+              </a:spcBef>
+              <a:spcAft>
+                <a:spcPct val="0"/>
+              </a:spcAft>
+            </a:pPr>
+            <a:r>
+              <a:rPr lang="en-US" sz="1400" b="1" dirty="0" smtClean="0"/>
+              <a:t>Branching</a:t>
+            </a:r>
+            <a:endParaRPr lang="en-US" sz="1400" b="1" dirty="0" smtClean="0"/>
+          </a:p>
+          <a:p>
+            <a:pPr lvl="0" fontAlgn="base">
+              <a:spcBef>
+                <a:spcPct val="0"/>
+              </a:spcBef>
+              <a:spcAft>
+                <a:spcPct val="0"/>
+              </a:spcAft>
+            </a:pPr>
+            <a:endParaRPr lang="en-US" sz="1000" dirty="0" smtClean="0"/>
+          </a:p>
+          <a:p>
+            <a:pPr lvl="0" fontAlgn="base">
+              <a:spcBef>
+                <a:spcPct val="0"/>
+              </a:spcBef>
+              <a:spcAft>
+                <a:spcPct val="0"/>
+              </a:spcAft>
+            </a:pPr>
+            <a:r>
+              <a:rPr lang="en-US" sz="1000" dirty="0" smtClean="0"/>
+              <a:t>https://www.atlassian.com/git/tutorials/using-branches/git-branch</a:t>
+            </a:r>
+            <a:endParaRPr kumimoji="0" lang="en-US" sz="1800" b="0" i="0" u="none" strike="noStrike" cap="none" normalizeH="0" baseline="0" dirty="0" smtClean="0">
+              <a:ln>
+                <a:noFill/>
+              </a:ln>
+              <a:solidFill>
+                <a:schemeClr val="tx1"/>
+              </a:solidFill>
+              <a:effectLst/>
+              <a:latin typeface="Arial" pitchFamily="34" charset="0"/>
+              <a:cs typeface="Arial" pitchFamily="34" charset="0"/>
+            </a:endParaRPr>
+          </a:p>
+        </p:txBody>
+      </p:sp>
+      <p:sp>
+        <p:nvSpPr>
+          <p:cNvPr id="5" name="Rectangle 9"/>
+          <p:cNvSpPr>
+            <a:spLocks noChangeArrowheads="1"/>
+          </p:cNvSpPr>
+          <p:nvPr/>
+        </p:nvSpPr>
+        <p:spPr bwMode="auto">
+          <a:xfrm>
+            <a:off x="457200" y="1815405"/>
+            <a:ext cx="7696200" cy="2893100"/>
+          </a:xfrm>
+          <a:prstGeom prst="rect">
+            <a:avLst/>
+          </a:prstGeom>
+          <a:noFill/>
+          <a:ln w="9525">
+            <a:noFill/>
+            <a:miter lim="800000"/>
+            <a:headEnd/>
+            <a:tailEnd/>
+          </a:ln>
+          <a:effectLst/>
+        </p:spPr>
+        <p:txBody>
+          <a:bodyPr vert="horz" wrap="square" lIns="91440" tIns="45720" rIns="91440" bIns="45720" numCol="1" anchor="ctr" anchorCtr="0" compatLnSpc="1">
+            <a:prstTxWarp prst="textNoShape">
+              <a:avLst/>
+            </a:prstTxWarp>
+            <a:spAutoFit/>
+          </a:bodyPr>
+          <a:lstStyle/>
+          <a:p>
+            <a:r>
+              <a:rPr lang="en-US" sz="1400" b="1" dirty="0" smtClean="0"/>
+              <a:t>Example</a:t>
+            </a:r>
+            <a:endParaRPr lang="en-US" sz="1400" b="1" dirty="0" smtClean="0"/>
+          </a:p>
+          <a:p>
+            <a:endParaRPr lang="en-US" sz="1400" dirty="0" smtClean="0"/>
+          </a:p>
+          <a:p>
+            <a:r>
+              <a:rPr lang="en-US" sz="1400" dirty="0" smtClean="0"/>
+              <a:t>The </a:t>
+            </a:r>
+            <a:r>
+              <a:rPr lang="en-US" sz="1400" dirty="0" smtClean="0"/>
+              <a:t>following example demonstrates the basic </a:t>
+            </a:r>
+            <a:r>
+              <a:rPr lang="en-US" sz="1400" dirty="0" err="1" smtClean="0"/>
+              <a:t>Git</a:t>
+            </a:r>
+            <a:r>
+              <a:rPr lang="en-US" sz="1400" dirty="0" smtClean="0"/>
+              <a:t> branching process. When you want to start working on a new feature, you create a dedicated branch and switch into it:</a:t>
+            </a:r>
+          </a:p>
+          <a:p>
+            <a:r>
+              <a:rPr lang="en-US" sz="1400" dirty="0" smtClean="0"/>
+              <a:t>&gt;&gt; </a:t>
+            </a:r>
+            <a:r>
+              <a:rPr lang="en-US" sz="1400" dirty="0" err="1" smtClean="0"/>
+              <a:t>git</a:t>
+            </a:r>
+            <a:r>
+              <a:rPr lang="en-US" sz="1400" dirty="0" smtClean="0"/>
+              <a:t> </a:t>
+            </a:r>
+            <a:r>
+              <a:rPr lang="en-US" sz="1400" dirty="0" smtClean="0"/>
+              <a:t>branch new-feature </a:t>
+            </a:r>
+            <a:endParaRPr lang="en-US" sz="1400" dirty="0" smtClean="0"/>
+          </a:p>
+          <a:p>
+            <a:r>
+              <a:rPr lang="en-US" sz="1400" dirty="0" smtClean="0"/>
+              <a:t>&gt;&gt; </a:t>
+            </a:r>
+            <a:r>
+              <a:rPr lang="en-US" sz="1400" dirty="0" err="1" smtClean="0"/>
+              <a:t>git</a:t>
+            </a:r>
+            <a:r>
+              <a:rPr lang="en-US" sz="1400" dirty="0" smtClean="0"/>
+              <a:t> </a:t>
+            </a:r>
+            <a:r>
+              <a:rPr lang="en-US" sz="1400" dirty="0" smtClean="0"/>
+              <a:t>checkout </a:t>
+            </a:r>
+            <a:r>
+              <a:rPr lang="en-US" sz="1400" dirty="0" smtClean="0"/>
+              <a:t>new-feature</a:t>
+            </a:r>
+          </a:p>
+          <a:p>
+            <a:endParaRPr lang="en-US" sz="1400" dirty="0" smtClean="0"/>
+          </a:p>
+          <a:p>
+            <a:r>
+              <a:rPr lang="en-US" sz="1400" dirty="0" smtClean="0"/>
+              <a:t>Then</a:t>
+            </a:r>
+            <a:r>
+              <a:rPr lang="en-US" sz="1400" dirty="0" smtClean="0"/>
+              <a:t>, you can commit new snapshots just like we’ve seen in previous modules:</a:t>
+            </a:r>
+          </a:p>
+          <a:p>
+            <a:r>
+              <a:rPr lang="en-US" sz="1400" dirty="0" smtClean="0"/>
+              <a:t># Edit some files </a:t>
+            </a:r>
+            <a:endParaRPr lang="en-US" sz="1400" dirty="0" smtClean="0"/>
+          </a:p>
+          <a:p>
+            <a:r>
+              <a:rPr lang="en-US" sz="1400" dirty="0" smtClean="0"/>
+              <a:t>&gt;&gt; </a:t>
+            </a:r>
+            <a:r>
+              <a:rPr lang="en-US" sz="1400" dirty="0" err="1" smtClean="0"/>
+              <a:t>git</a:t>
+            </a:r>
+            <a:r>
+              <a:rPr lang="en-US" sz="1400" dirty="0" smtClean="0"/>
+              <a:t> </a:t>
+            </a:r>
+            <a:r>
+              <a:rPr lang="en-US" sz="1400" dirty="0" smtClean="0"/>
+              <a:t>add &lt;file&gt; </a:t>
+            </a:r>
+            <a:endParaRPr lang="en-US" sz="1400" dirty="0" smtClean="0"/>
+          </a:p>
+          <a:p>
+            <a:r>
+              <a:rPr lang="en-US" sz="1400" smtClean="0"/>
+              <a:t>&gt;&gt; git</a:t>
+            </a:r>
+            <a:r>
+              <a:rPr lang="en-US" sz="1400" dirty="0" smtClean="0"/>
+              <a:t> </a:t>
+            </a:r>
+            <a:r>
+              <a:rPr lang="en-US" sz="1400" dirty="0" smtClean="0"/>
+              <a:t>commit -m "Started work on a new feature" </a:t>
+            </a:r>
+            <a:endParaRPr lang="en-US" sz="1400" dirty="0" smtClean="0"/>
+          </a:p>
+          <a:p>
+            <a:r>
+              <a:rPr lang="en-US" sz="1400" dirty="0" smtClean="0"/>
+              <a:t># </a:t>
+            </a:r>
+            <a:r>
+              <a:rPr lang="en-US" sz="1400" dirty="0" smtClean="0"/>
+              <a:t>Repeat</a:t>
+            </a:r>
+          </a:p>
+          <a:p>
+            <a:pPr lvl="0" fontAlgn="base">
+              <a:spcBef>
+                <a:spcPct val="0"/>
+              </a:spcBef>
+              <a:spcAft>
+                <a:spcPct val="0"/>
+              </a:spcAft>
+            </a:pPr>
             <a:endParaRPr lang="en-US" sz="1400" dirty="0" smtClean="0"/>
           </a:p>
         </p:txBody>
